--- a/course_resources/slides/Used/006_Basic_Descriptive_Stats.pptx
+++ b/course_resources/slides/Used/006_Basic_Descriptive_Stats.pptx
@@ -9,21 +9,26 @@
     <p:sldId id="256" r:id="rId3"/>
     <p:sldId id="289" r:id="rId4"/>
     <p:sldId id="257" r:id="rId5"/>
-    <p:sldId id="260" r:id="rId6"/>
-    <p:sldId id="258" r:id="rId7"/>
-    <p:sldId id="259" r:id="rId8"/>
-    <p:sldId id="261" r:id="rId9"/>
+    <p:sldId id="290" r:id="rId6"/>
+    <p:sldId id="291" r:id="rId7"/>
+    <p:sldId id="298" r:id="rId8"/>
+    <p:sldId id="262" r:id="rId9"/>
     <p:sldId id="285" r:id="rId10"/>
     <p:sldId id="273" r:id="rId11"/>
     <p:sldId id="274" r:id="rId12"/>
     <p:sldId id="277" r:id="rId13"/>
     <p:sldId id="286" r:id="rId14"/>
-    <p:sldId id="262" r:id="rId15"/>
-    <p:sldId id="290" r:id="rId16"/>
-    <p:sldId id="291" r:id="rId17"/>
-    <p:sldId id="292" r:id="rId18"/>
-    <p:sldId id="293" r:id="rId19"/>
-    <p:sldId id="275" r:id="rId20"/>
+    <p:sldId id="260" r:id="rId15"/>
+    <p:sldId id="258" r:id="rId16"/>
+    <p:sldId id="297" r:id="rId17"/>
+    <p:sldId id="259" r:id="rId18"/>
+    <p:sldId id="296" r:id="rId19"/>
+    <p:sldId id="261" r:id="rId20"/>
+    <p:sldId id="292" r:id="rId21"/>
+    <p:sldId id="294" r:id="rId22"/>
+    <p:sldId id="293" r:id="rId23"/>
+    <p:sldId id="295" r:id="rId24"/>
+    <p:sldId id="275" r:id="rId25"/>
   </p:sldIdLst>
   <p:sldSz cx="12192000" cy="6858000"/>
   <p:notesSz cx="6858000" cy="9144000"/>
@@ -139,10 +144,10 @@
         </p14:section>
         <p14:section name="Basic Statistics" id="{ACB5857B-80E7-6C41-B0E9-166C290C8807}">
           <p14:sldIdLst>
-            <p14:sldId id="260"/>
-            <p14:sldId id="258"/>
-            <p14:sldId id="259"/>
-            <p14:sldId id="261"/>
+            <p14:sldId id="290"/>
+            <p14:sldId id="291"/>
+            <p14:sldId id="298"/>
+            <p14:sldId id="262"/>
           </p14:sldIdLst>
         </p14:section>
         <p14:section name="Data Types" id="{D8AD09DD-122B-8B46-8D28-13082C523EC4}">
@@ -152,15 +157,24 @@
             <p14:sldId id="274"/>
             <p14:sldId id="277"/>
             <p14:sldId id="286"/>
-            <p14:sldId id="262"/>
+          </p14:sldIdLst>
+        </p14:section>
+        <p14:section name="Single Var Stats" id="{CCDD17A8-B562-E04B-A75B-DFB4CFDC30F5}">
+          <p14:sldIdLst>
+            <p14:sldId id="260"/>
+            <p14:sldId id="258"/>
+            <p14:sldId id="297"/>
+            <p14:sldId id="259"/>
+            <p14:sldId id="296"/>
+            <p14:sldId id="261"/>
           </p14:sldIdLst>
         </p14:section>
         <p14:section name="Data Structures" id="{68E65131-05D9-9844-B458-76750DE117D6}">
           <p14:sldIdLst>
-            <p14:sldId id="290"/>
-            <p14:sldId id="291"/>
             <p14:sldId id="292"/>
+            <p14:sldId id="294"/>
             <p14:sldId id="293"/>
+            <p14:sldId id="295"/>
           </p14:sldIdLst>
         </p14:section>
         <p14:section name="Conclusion" id="{2F8AAD78-F945-184D-BF6B-551955506F8B}">
@@ -3736,8 +3750,8 @@
         </p:nvSpPr>
         <p:spPr>
           <a:xfrm>
-            <a:off x="1451579" y="2015732"/>
-            <a:ext cx="9603275" cy="4037749"/>
+            <a:off x="1451579" y="1853754"/>
+            <a:ext cx="9603275" cy="4273777"/>
           </a:xfrm>
         </p:spPr>
         <p:txBody>
@@ -3746,6 +3760,12 @@
           <a:p>
             <a:r>
               <a:rPr lang="en-US" dirty="0"/>
+              <a:t>Questions? </a:t>
+            </a:r>
+          </a:p>
+          <a:p>
+            <a:r>
+              <a:rPr lang="en-US" dirty="0"/>
               <a:t>Basics of stats:</a:t>
             </a:r>
           </a:p>
@@ -3754,6 +3774,55 @@
             <a:r>
               <a:rPr lang="en-US" dirty="0"/>
               <a:t>Single variable descriptive statistics. </a:t>
+            </a:r>
+          </a:p>
+          <a:p>
+            <a:pPr lvl="1"/>
+            <a:r>
+              <a:rPr lang="en-US" dirty="0"/>
+              <a:t>We’ll look at the basics of stats from the data side now, and fill in details net week-</a:t>
+            </a:r>
+            <a:r>
+              <a:rPr lang="en-US" dirty="0" err="1"/>
+              <a:t>ish</a:t>
+            </a:r>
+            <a:r>
+              <a:rPr lang="en-US" dirty="0"/>
+              <a:t>. </a:t>
+            </a:r>
+          </a:p>
+          <a:p>
+            <a:pPr lvl="1"/>
+            <a:r>
+              <a:rPr lang="en-US" dirty="0"/>
+              <a:t>Histograms and single variable visualization. </a:t>
+            </a:r>
+          </a:p>
+          <a:p>
+            <a:pPr lvl="1"/>
+            <a:r>
+              <a:rPr lang="en-US" dirty="0"/>
+              <a:t>Cleaning and preparing data for analysis. </a:t>
+            </a:r>
+          </a:p>
+          <a:p>
+            <a:pPr lvl="1"/>
+            <a:r>
+              <a:rPr lang="en-US" dirty="0"/>
+              <a:t>Small amount of new “code stuff”, mostly loading and manipulating data more.  </a:t>
+            </a:r>
+          </a:p>
+          <a:p>
+            <a:r>
+              <a:rPr lang="en-US" dirty="0"/>
+              <a:t>Overall – we’re going a little faster than schedule in terms of the ML-needed tools/concepts. I think it is easier to learn with more exposure over time. </a:t>
+            </a:r>
+          </a:p>
+          <a:p>
+            <a:pPr lvl="1"/>
+            <a:r>
+              <a:rPr lang="en-US" dirty="0"/>
+              <a:t>Don’t focus on memorizing details, think of goals – we have data and want to make it “ready”. </a:t>
             </a:r>
           </a:p>
         </p:txBody>
@@ -4422,7 +4491,7 @@
           <p:cNvPr id="2" name="Title 1">
             <a:extLst>
               <a:ext uri="{FF2B5EF4-FFF2-40B4-BE49-F238E27FC236}">
-                <a16:creationId xmlns:a16="http://schemas.microsoft.com/office/drawing/2014/main" id="{EEDAC334-1D84-91BA-D4CB-59FD96D69E81}"/>
+                <a16:creationId xmlns:a16="http://schemas.microsoft.com/office/drawing/2014/main" id="{250424F3-DA93-28F5-CC13-7C6A9AC908EC}"/>
               </a:ext>
             </a:extLst>
           </p:cNvPr>
@@ -4440,7 +4509,7 @@
           <a:p>
             <a:r>
               <a:rPr lang="en-US" dirty="0"/>
-              <a:t>Distributions</a:t>
+              <a:t>Range</a:t>
             </a:r>
           </a:p>
         </p:txBody>
@@ -4450,7 +4519,7 @@
           <p:cNvPr id="3" name="Content Placeholder 2">
             <a:extLst>
               <a:ext uri="{FF2B5EF4-FFF2-40B4-BE49-F238E27FC236}">
-                <a16:creationId xmlns:a16="http://schemas.microsoft.com/office/drawing/2014/main" id="{E3F5F13C-3BF3-F63C-7C6B-D31B839AD5D0}"/>
+                <a16:creationId xmlns:a16="http://schemas.microsoft.com/office/drawing/2014/main" id="{8D5B0446-5AEF-8D25-0E01-8226A8F71DB2}"/>
               </a:ext>
             </a:extLst>
           </p:cNvPr>
@@ -4468,62 +4537,33 @@
           <a:p>
             <a:r>
               <a:rPr lang="en-US" dirty="0"/>
-              <a:t>These individual statistics are helping to build us up to looking at the distribution – a visual representation of the “shape” of the data’s distribution. </a:t>
-            </a:r>
-          </a:p>
-        </p:txBody>
-      </p:sp>
-      <p:pic>
-        <p:nvPicPr>
-          <p:cNvPr id="1026" name="Picture 2" descr="Development of a novel scattered triangulation laser probe with six linear  charge-coupled devices (CCDs) - ScienceDirect">
-            <a:extLst>
-              <a:ext uri="{FF2B5EF4-FFF2-40B4-BE49-F238E27FC236}">
-                <a16:creationId xmlns:a16="http://schemas.microsoft.com/office/drawing/2014/main" id="{AC5E2DA5-BA95-BAF3-8E3A-22EAB1610553}"/>
-              </a:ext>
-            </a:extLst>
-          </p:cNvPr>
-          <p:cNvPicPr>
-            <a:picLocks noChangeAspect="1" noChangeArrowheads="1"/>
-          </p:cNvPicPr>
-          <p:nvPr/>
-        </p:nvPicPr>
-        <p:blipFill>
-          <a:blip r:embed="rId2">
-            <a:extLst>
-              <a:ext uri="{28A0092B-C50C-407E-A947-70E740481C1C}">
-                <a14:useLocalDpi xmlns:a14="http://schemas.microsoft.com/office/drawing/2010/main" val="0"/>
-              </a:ext>
-            </a:extLst>
-          </a:blip>
-          <a:srcRect/>
-          <a:stretch>
-            <a:fillRect/>
-          </a:stretch>
-        </p:blipFill>
-        <p:spPr bwMode="auto">
-          <a:xfrm>
-            <a:off x="3099569" y="2968830"/>
-            <a:ext cx="5992861" cy="3770416"/>
-          </a:xfrm>
-          <a:prstGeom prst="rect">
-            <a:avLst/>
-          </a:prstGeom>
-          <a:noFill/>
-          <a:extLst>
-            <a:ext uri="{909E8E84-426E-40DD-AFC4-6F175D3DCCD1}">
-              <a14:hiddenFill xmlns:a14="http://schemas.microsoft.com/office/drawing/2010/main">
-                <a:solidFill>
-                  <a:srgbClr val="FFFFFF"/>
-                </a:solidFill>
-              </a14:hiddenFill>
-            </a:ext>
-          </a:extLst>
-        </p:spPr>
-      </p:pic>
+              <a:t>Minimum – smallest value. </a:t>
+            </a:r>
+          </a:p>
+          <a:p>
+            <a:r>
+              <a:rPr lang="en-US" dirty="0"/>
+              <a:t>Maximum – largest value. </a:t>
+            </a:r>
+          </a:p>
+          <a:p>
+            <a:r>
+              <a:rPr lang="en-US" dirty="0"/>
+              <a:t>Range – distance between the minimum and the maximum values. </a:t>
+            </a:r>
+          </a:p>
+          <a:p>
+            <a:r>
+              <a:rPr lang="en-US" dirty="0"/>
+              <a:t>Count (N) – number of records in dataset. </a:t>
+            </a:r>
+          </a:p>
+        </p:txBody>
+      </p:sp>
     </p:spTree>
     <p:extLst>
       <p:ext uri="{BB962C8B-B14F-4D97-AF65-F5344CB8AC3E}">
-        <p14:creationId xmlns:p14="http://schemas.microsoft.com/office/powerpoint/2010/main" val="4122307064"/>
+        <p14:creationId xmlns:p14="http://schemas.microsoft.com/office/powerpoint/2010/main" val="2962681320"/>
       </p:ext>
     </p:extLst>
   </p:cSld>
@@ -4552,10 +4592,10 @@
       </p:grpSpPr>
       <p:sp>
         <p:nvSpPr>
-          <p:cNvPr id="4" name="Title 3">
+          <p:cNvPr id="2" name="Title 1">
             <a:extLst>
               <a:ext uri="{FF2B5EF4-FFF2-40B4-BE49-F238E27FC236}">
-                <a16:creationId xmlns:a16="http://schemas.microsoft.com/office/drawing/2014/main" id="{8E3908E8-A79E-51E8-D26C-F581119BB517}"/>
+                <a16:creationId xmlns:a16="http://schemas.microsoft.com/office/drawing/2014/main" id="{74D48842-51F9-A04C-3E51-4C188C16B614}"/>
               </a:ext>
             </a:extLst>
           </p:cNvPr>
@@ -4573,17 +4613,17 @@
           <a:p>
             <a:r>
               <a:rPr lang="en-US" dirty="0"/>
-              <a:t>Visualizing Statistics</a:t>
-            </a:r>
-          </a:p>
-        </p:txBody>
-      </p:sp>
-      <p:sp>
-        <p:nvSpPr>
-          <p:cNvPr id="5" name="Content Placeholder 4">
+              <a:t>Average(s) – Measures of Central Tendency</a:t>
+            </a:r>
+          </a:p>
+        </p:txBody>
+      </p:sp>
+      <p:sp>
+        <p:nvSpPr>
+          <p:cNvPr id="3" name="Content Placeholder 2">
             <a:extLst>
               <a:ext uri="{FF2B5EF4-FFF2-40B4-BE49-F238E27FC236}">
-                <a16:creationId xmlns:a16="http://schemas.microsoft.com/office/drawing/2014/main" id="{AAAFCB48-C77B-0ECF-2C1A-6AAD7B28A5F5}"/>
+                <a16:creationId xmlns:a16="http://schemas.microsoft.com/office/drawing/2014/main" id="{497D2115-BE1C-5258-5A41-CF00D104DEA0}"/>
               </a:ext>
             </a:extLst>
           </p:cNvPr>
@@ -4594,20 +4634,65 @@
             <p:ph idx="1"/>
           </p:nvPr>
         </p:nvSpPr>
-        <p:spPr/>
+        <p:spPr>
+          <a:xfrm>
+            <a:off x="1451579" y="2015732"/>
+            <a:ext cx="9603275" cy="4037749"/>
+          </a:xfrm>
+        </p:spPr>
         <p:txBody>
           <a:bodyPr/>
           <a:lstStyle/>
           <a:p>
             <a:r>
               <a:rPr lang="en-US" dirty="0"/>
-              <a:t>We can calculate the statistics we need to look at. </a:t>
-            </a:r>
-          </a:p>
-          <a:p>
-            <a:r>
-              <a:rPr lang="en-US" dirty="0"/>
-              <a:t>We can also visualize these statistics to help understand them. </a:t>
+              <a:t>We have 3 measures of average:</a:t>
+            </a:r>
+          </a:p>
+          <a:p>
+            <a:pPr lvl="1"/>
+            <a:r>
+              <a:rPr lang="en-US" dirty="0"/>
+              <a:t>Mean – Add all values and divide by N. </a:t>
+            </a:r>
+          </a:p>
+          <a:p>
+            <a:pPr lvl="1"/>
+            <a:r>
+              <a:rPr lang="en-US" dirty="0"/>
+              <a:t>Median – The value with 50% of other values above, and %50 below. </a:t>
+            </a:r>
+          </a:p>
+          <a:p>
+            <a:pPr lvl="1"/>
+            <a:r>
+              <a:rPr lang="en-US" dirty="0"/>
+              <a:t>Mode – The most frequently occurring value. </a:t>
+            </a:r>
+          </a:p>
+          <a:p>
+            <a:r>
+              <a:rPr lang="en-US" dirty="0"/>
+              <a:t>“Average” normally means the mean, but we should be specific. </a:t>
+            </a:r>
+          </a:p>
+          <a:p>
+            <a:r>
+              <a:rPr lang="en-US" dirty="0"/>
+              <a:t>Median is very common is scenarios where there are outliers. </a:t>
+            </a:r>
+          </a:p>
+          <a:p>
+            <a:pPr lvl="1"/>
+            <a:r>
+              <a:rPr lang="en-US" dirty="0"/>
+              <a:t>Why? </a:t>
+            </a:r>
+          </a:p>
+          <a:p>
+            <a:r>
+              <a:rPr lang="en-US" dirty="0"/>
+              <a:t>Mode isn’t usually all that useful with decimal numbers. </a:t>
             </a:r>
           </a:p>
         </p:txBody>
@@ -4615,7 +4700,7 @@
     </p:spTree>
     <p:extLst>
       <p:ext uri="{BB962C8B-B14F-4D97-AF65-F5344CB8AC3E}">
-        <p14:creationId xmlns:p14="http://schemas.microsoft.com/office/powerpoint/2010/main" val="1821730510"/>
+        <p14:creationId xmlns:p14="http://schemas.microsoft.com/office/powerpoint/2010/main" val="940878118"/>
       </p:ext>
     </p:extLst>
   </p:cSld>
@@ -4626,6 +4711,1089 @@
 </file>
 
 <file path=ppt/slides/slide16.xml><?xml version="1.0" encoding="utf-8"?>
+<p:sld xmlns:a="http://schemas.openxmlformats.org/drawingml/2006/main" xmlns:r="http://schemas.openxmlformats.org/officeDocument/2006/relationships" xmlns:p="http://schemas.openxmlformats.org/presentationml/2006/main">
+  <p:cSld>
+    <p:spTree>
+      <p:nvGrpSpPr>
+        <p:cNvPr id="1" name=""/>
+        <p:cNvGrpSpPr/>
+        <p:nvPr/>
+      </p:nvGrpSpPr>
+      <p:grpSpPr>
+        <a:xfrm>
+          <a:off x="0" y="0"/>
+          <a:ext cx="0" cy="0"/>
+          <a:chOff x="0" y="0"/>
+          <a:chExt cx="0" cy="0"/>
+        </a:xfrm>
+      </p:grpSpPr>
+      <p:sp>
+        <p:nvSpPr>
+          <p:cNvPr id="2" name="Title 1">
+            <a:extLst>
+              <a:ext uri="{FF2B5EF4-FFF2-40B4-BE49-F238E27FC236}">
+                <a16:creationId xmlns:a16="http://schemas.microsoft.com/office/drawing/2014/main" id="{2655AB02-3C21-1158-225D-976C3D434D02}"/>
+              </a:ext>
+            </a:extLst>
+          </p:cNvPr>
+          <p:cNvSpPr>
+            <a:spLocks noGrp="1"/>
+          </p:cNvSpPr>
+          <p:nvPr>
+            <p:ph type="title"/>
+          </p:nvPr>
+        </p:nvSpPr>
+        <p:spPr/>
+        <p:txBody>
+          <a:bodyPr/>
+          <a:lstStyle/>
+          <a:p>
+            <a:endParaRPr lang="en-US"/>
+          </a:p>
+        </p:txBody>
+      </p:sp>
+      <p:sp>
+        <p:nvSpPr>
+          <p:cNvPr id="3" name="Content Placeholder 2">
+            <a:extLst>
+              <a:ext uri="{FF2B5EF4-FFF2-40B4-BE49-F238E27FC236}">
+                <a16:creationId xmlns:a16="http://schemas.microsoft.com/office/drawing/2014/main" id="{5B9E659B-3EBF-216F-09CC-99F112F2283B}"/>
+              </a:ext>
+            </a:extLst>
+          </p:cNvPr>
+          <p:cNvSpPr>
+            <a:spLocks noGrp="1"/>
+          </p:cNvSpPr>
+          <p:nvPr>
+            <p:ph idx="1"/>
+          </p:nvPr>
+        </p:nvSpPr>
+        <p:spPr/>
+        <p:txBody>
+          <a:bodyPr/>
+          <a:lstStyle/>
+          <a:p>
+            <a:endParaRPr lang="en-US"/>
+          </a:p>
+        </p:txBody>
+      </p:sp>
+      <p:pic>
+        <p:nvPicPr>
+          <p:cNvPr id="5122" name="Picture 2" descr="Ledidi | Measures of central tendency: Mean, median and mode">
+            <a:extLst>
+              <a:ext uri="{FF2B5EF4-FFF2-40B4-BE49-F238E27FC236}">
+                <a16:creationId xmlns:a16="http://schemas.microsoft.com/office/drawing/2014/main" id="{633013FD-3EA7-0F79-76E6-287CF9949955}"/>
+              </a:ext>
+            </a:extLst>
+          </p:cNvPr>
+          <p:cNvPicPr>
+            <a:picLocks noChangeAspect="1" noChangeArrowheads="1"/>
+          </p:cNvPicPr>
+          <p:nvPr/>
+        </p:nvPicPr>
+        <p:blipFill rotWithShape="1">
+          <a:blip r:embed="rId2">
+            <a:extLst>
+              <a:ext uri="{28A0092B-C50C-407E-A947-70E740481C1C}">
+                <a14:useLocalDpi xmlns:a14="http://schemas.microsoft.com/office/drawing/2010/main" val="0"/>
+              </a:ext>
+            </a:extLst>
+          </a:blip>
+          <a:srcRect l="7317" t="12122" r="10092" b="19971"/>
+          <a:stretch/>
+        </p:blipFill>
+        <p:spPr bwMode="auto">
+          <a:xfrm>
+            <a:off x="-7988" y="804519"/>
+            <a:ext cx="12207976" cy="5029200"/>
+          </a:xfrm>
+          <a:prstGeom prst="rect">
+            <a:avLst/>
+          </a:prstGeom>
+          <a:noFill/>
+          <a:extLst>
+            <a:ext uri="{909E8E84-426E-40DD-AFC4-6F175D3DCCD1}">
+              <a14:hiddenFill xmlns:a14="http://schemas.microsoft.com/office/drawing/2010/main">
+                <a:solidFill>
+                  <a:srgbClr val="FFFFFF"/>
+                </a:solidFill>
+              </a14:hiddenFill>
+            </a:ext>
+          </a:extLst>
+        </p:spPr>
+      </p:pic>
+    </p:spTree>
+    <p:extLst>
+      <p:ext uri="{BB962C8B-B14F-4D97-AF65-F5344CB8AC3E}">
+        <p14:creationId xmlns:p14="http://schemas.microsoft.com/office/powerpoint/2010/main" val="4200273900"/>
+      </p:ext>
+    </p:extLst>
+  </p:cSld>
+  <p:clrMapOvr>
+    <a:masterClrMapping/>
+  </p:clrMapOvr>
+</p:sld>
+</file>
+
+<file path=ppt/slides/slide17.xml><?xml version="1.0" encoding="utf-8"?>
+<p:sld xmlns:a="http://schemas.openxmlformats.org/drawingml/2006/main" xmlns:r="http://schemas.openxmlformats.org/officeDocument/2006/relationships" xmlns:p="http://schemas.openxmlformats.org/presentationml/2006/main">
+  <p:cSld>
+    <p:spTree>
+      <p:nvGrpSpPr>
+        <p:cNvPr id="1" name=""/>
+        <p:cNvGrpSpPr/>
+        <p:nvPr/>
+      </p:nvGrpSpPr>
+      <p:grpSpPr>
+        <a:xfrm>
+          <a:off x="0" y="0"/>
+          <a:ext cx="0" cy="0"/>
+          <a:chOff x="0" y="0"/>
+          <a:chExt cx="0" cy="0"/>
+        </a:xfrm>
+      </p:grpSpPr>
+      <p:sp>
+        <p:nvSpPr>
+          <p:cNvPr id="2" name="Title 1">
+            <a:extLst>
+              <a:ext uri="{FF2B5EF4-FFF2-40B4-BE49-F238E27FC236}">
+                <a16:creationId xmlns:a16="http://schemas.microsoft.com/office/drawing/2014/main" id="{9EF6B756-EABC-9CE1-4AA2-61C567E96687}"/>
+              </a:ext>
+            </a:extLst>
+          </p:cNvPr>
+          <p:cNvSpPr>
+            <a:spLocks noGrp="1"/>
+          </p:cNvSpPr>
+          <p:nvPr>
+            <p:ph type="title"/>
+          </p:nvPr>
+        </p:nvSpPr>
+        <p:spPr/>
+        <p:txBody>
+          <a:bodyPr/>
+          <a:lstStyle/>
+          <a:p>
+            <a:r>
+              <a:rPr lang="en-US" dirty="0"/>
+              <a:t>Measures of Dispersion</a:t>
+            </a:r>
+          </a:p>
+        </p:txBody>
+      </p:sp>
+      <p:sp>
+        <p:nvSpPr>
+          <p:cNvPr id="3" name="Content Placeholder 2">
+            <a:extLst>
+              <a:ext uri="{FF2B5EF4-FFF2-40B4-BE49-F238E27FC236}">
+                <a16:creationId xmlns:a16="http://schemas.microsoft.com/office/drawing/2014/main" id="{A3576BAB-84A8-7528-2AC7-3623AA7EE238}"/>
+              </a:ext>
+            </a:extLst>
+          </p:cNvPr>
+          <p:cNvSpPr>
+            <a:spLocks noGrp="1"/>
+          </p:cNvSpPr>
+          <p:nvPr>
+            <p:ph idx="1"/>
+          </p:nvPr>
+        </p:nvSpPr>
+        <p:spPr>
+          <a:xfrm>
+            <a:off x="0" y="1853754"/>
+            <a:ext cx="5915353" cy="4199727"/>
+          </a:xfrm>
+        </p:spPr>
+        <p:txBody>
+          <a:bodyPr/>
+          <a:lstStyle/>
+          <a:p>
+            <a:r>
+              <a:rPr lang="en-US" dirty="0"/>
+              <a:t>Measures of dispersion tell us how “spread out” the values are?</a:t>
+            </a:r>
+          </a:p>
+          <a:p>
+            <a:pPr lvl="1"/>
+            <a:r>
+              <a:rPr lang="en-US" dirty="0"/>
+              <a:t>Are values tightly clustered or scattered over a wide area?</a:t>
+            </a:r>
+          </a:p>
+          <a:p>
+            <a:pPr lvl="1"/>
+            <a:r>
+              <a:rPr lang="en-US" dirty="0"/>
+              <a:t>Variance – a measure of how “varied” the values are, i.e. are they clustered over a small range or distributed broadly. </a:t>
+            </a:r>
+          </a:p>
+          <a:p>
+            <a:r>
+              <a:rPr lang="en-US" dirty="0"/>
+              <a:t>Standard Deviation – the square root of variance. More commonly used for most analysis. </a:t>
+            </a:r>
+          </a:p>
+          <a:p>
+            <a:pPr lvl="1"/>
+            <a:r>
+              <a:rPr lang="en-US" dirty="0"/>
+              <a:t>Roughly, “how far from the mean is a typical value?”</a:t>
+            </a:r>
+          </a:p>
+          <a:p>
+            <a:endParaRPr lang="en-US" dirty="0"/>
+          </a:p>
+        </p:txBody>
+      </p:sp>
+      <p:pic>
+        <p:nvPicPr>
+          <p:cNvPr id="6146" name="Picture 2" descr="How To Calculate The Standard Deviation - YouTube">
+            <a:extLst>
+              <a:ext uri="{FF2B5EF4-FFF2-40B4-BE49-F238E27FC236}">
+                <a16:creationId xmlns:a16="http://schemas.microsoft.com/office/drawing/2014/main" id="{BB1D0DEF-4F25-6887-4F07-27E858310A92}"/>
+              </a:ext>
+            </a:extLst>
+          </p:cNvPr>
+          <p:cNvPicPr>
+            <a:picLocks noChangeAspect="1" noChangeArrowheads="1"/>
+          </p:cNvPicPr>
+          <p:nvPr/>
+        </p:nvPicPr>
+        <p:blipFill rotWithShape="1">
+          <a:blip r:embed="rId2">
+            <a:extLst>
+              <a:ext uri="{28A0092B-C50C-407E-A947-70E740481C1C}">
+                <a14:useLocalDpi xmlns:a14="http://schemas.microsoft.com/office/drawing/2010/main" val="0"/>
+              </a:ext>
+            </a:extLst>
+          </a:blip>
+          <a:srcRect l="3109" r="5518" b="9594"/>
+          <a:stretch/>
+        </p:blipFill>
+        <p:spPr bwMode="auto">
+          <a:xfrm>
+            <a:off x="5915353" y="2106305"/>
+            <a:ext cx="6276647" cy="3493309"/>
+          </a:xfrm>
+          <a:prstGeom prst="rect">
+            <a:avLst/>
+          </a:prstGeom>
+          <a:noFill/>
+          <a:extLst>
+            <a:ext uri="{909E8E84-426E-40DD-AFC4-6F175D3DCCD1}">
+              <a14:hiddenFill xmlns:a14="http://schemas.microsoft.com/office/drawing/2010/main">
+                <a:solidFill>
+                  <a:srgbClr val="FFFFFF"/>
+                </a:solidFill>
+              </a14:hiddenFill>
+            </a:ext>
+          </a:extLst>
+        </p:spPr>
+      </p:pic>
+    </p:spTree>
+    <p:extLst>
+      <p:ext uri="{BB962C8B-B14F-4D97-AF65-F5344CB8AC3E}">
+        <p14:creationId xmlns:p14="http://schemas.microsoft.com/office/powerpoint/2010/main" val="3022290839"/>
+      </p:ext>
+    </p:extLst>
+  </p:cSld>
+  <p:clrMapOvr>
+    <a:masterClrMapping/>
+  </p:clrMapOvr>
+</p:sld>
+</file>
+
+<file path=ppt/slides/slide18.xml><?xml version="1.0" encoding="utf-8"?>
+<p:sld xmlns:a="http://schemas.openxmlformats.org/drawingml/2006/main" xmlns:r="http://schemas.openxmlformats.org/officeDocument/2006/relationships" xmlns:p="http://schemas.openxmlformats.org/presentationml/2006/main">
+  <p:cSld>
+    <p:spTree>
+      <p:nvGrpSpPr>
+        <p:cNvPr id="1" name=""/>
+        <p:cNvGrpSpPr/>
+        <p:nvPr/>
+      </p:nvGrpSpPr>
+      <p:grpSpPr>
+        <a:xfrm>
+          <a:off x="0" y="0"/>
+          <a:ext cx="0" cy="0"/>
+          <a:chOff x="0" y="0"/>
+          <a:chExt cx="0" cy="0"/>
+        </a:xfrm>
+      </p:grpSpPr>
+      <p:sp>
+        <p:nvSpPr>
+          <p:cNvPr id="2" name="Title 1">
+            <a:extLst>
+              <a:ext uri="{FF2B5EF4-FFF2-40B4-BE49-F238E27FC236}">
+                <a16:creationId xmlns:a16="http://schemas.microsoft.com/office/drawing/2014/main" id="{112D7ECD-8CD1-2577-99A6-5E2D9B6A6D2D}"/>
+              </a:ext>
+            </a:extLst>
+          </p:cNvPr>
+          <p:cNvSpPr>
+            <a:spLocks noGrp="1"/>
+          </p:cNvSpPr>
+          <p:nvPr>
+            <p:ph type="title"/>
+          </p:nvPr>
+        </p:nvSpPr>
+        <p:spPr>
+          <a:xfrm>
+            <a:off x="8240751" y="804519"/>
+            <a:ext cx="2814103" cy="1049235"/>
+          </a:xfrm>
+        </p:spPr>
+        <p:txBody>
+          <a:bodyPr/>
+          <a:lstStyle/>
+          <a:p>
+            <a:r>
+              <a:rPr lang="en-US" dirty="0"/>
+              <a:t>Dispersion</a:t>
+            </a:r>
+          </a:p>
+        </p:txBody>
+      </p:sp>
+      <p:sp>
+        <p:nvSpPr>
+          <p:cNvPr id="3" name="Content Placeholder 2">
+            <a:extLst>
+              <a:ext uri="{FF2B5EF4-FFF2-40B4-BE49-F238E27FC236}">
+                <a16:creationId xmlns:a16="http://schemas.microsoft.com/office/drawing/2014/main" id="{DD36D81D-153B-EDD7-07BF-3F2CDE771D71}"/>
+              </a:ext>
+            </a:extLst>
+          </p:cNvPr>
+          <p:cNvSpPr>
+            <a:spLocks noGrp="1"/>
+          </p:cNvSpPr>
+          <p:nvPr>
+            <p:ph idx="1"/>
+          </p:nvPr>
+        </p:nvSpPr>
+        <p:spPr>
+          <a:xfrm>
+            <a:off x="8240751" y="2015732"/>
+            <a:ext cx="3707409" cy="3450613"/>
+          </a:xfrm>
+        </p:spPr>
+        <p:txBody>
+          <a:bodyPr/>
+          <a:lstStyle/>
+          <a:p>
+            <a:r>
+              <a:rPr lang="en-US" dirty="0"/>
+              <a:t>Dispersion metrics tell us if our data is tightly grouped, or spread out. </a:t>
+            </a:r>
+          </a:p>
+        </p:txBody>
+      </p:sp>
+      <p:pic>
+        <p:nvPicPr>
+          <p:cNvPr id="4098" name="Picture 2" descr="Calculate Standard Deviation Expii, 47% OFF">
+            <a:extLst>
+              <a:ext uri="{FF2B5EF4-FFF2-40B4-BE49-F238E27FC236}">
+                <a16:creationId xmlns:a16="http://schemas.microsoft.com/office/drawing/2014/main" id="{A5F381B9-82E0-3839-3609-095609E26785}"/>
+              </a:ext>
+            </a:extLst>
+          </p:cNvPr>
+          <p:cNvPicPr>
+            <a:picLocks noChangeAspect="1" noChangeArrowheads="1"/>
+          </p:cNvPicPr>
+          <p:nvPr/>
+        </p:nvPicPr>
+        <p:blipFill rotWithShape="1">
+          <a:blip r:embed="rId2">
+            <a:extLst>
+              <a:ext uri="{28A0092B-C50C-407E-A947-70E740481C1C}">
+                <a14:useLocalDpi xmlns:a14="http://schemas.microsoft.com/office/drawing/2010/main" val="0"/>
+              </a:ext>
+            </a:extLst>
+          </a:blip>
+          <a:srcRect r="32409"/>
+          <a:stretch/>
+        </p:blipFill>
+        <p:spPr bwMode="auto">
+          <a:xfrm>
+            <a:off x="0" y="637223"/>
+            <a:ext cx="8240751" cy="5970587"/>
+          </a:xfrm>
+          <a:prstGeom prst="rect">
+            <a:avLst/>
+          </a:prstGeom>
+          <a:noFill/>
+          <a:extLst>
+            <a:ext uri="{909E8E84-426E-40DD-AFC4-6F175D3DCCD1}">
+              <a14:hiddenFill xmlns:a14="http://schemas.microsoft.com/office/drawing/2010/main">
+                <a:solidFill>
+                  <a:srgbClr val="FFFFFF"/>
+                </a:solidFill>
+              </a14:hiddenFill>
+            </a:ext>
+          </a:extLst>
+        </p:spPr>
+      </p:pic>
+    </p:spTree>
+    <p:extLst>
+      <p:ext uri="{BB962C8B-B14F-4D97-AF65-F5344CB8AC3E}">
+        <p14:creationId xmlns:p14="http://schemas.microsoft.com/office/powerpoint/2010/main" val="1265460876"/>
+      </p:ext>
+    </p:extLst>
+  </p:cSld>
+  <p:clrMapOvr>
+    <a:masterClrMapping/>
+  </p:clrMapOvr>
+</p:sld>
+</file>
+
+<file path=ppt/slides/slide19.xml><?xml version="1.0" encoding="utf-8"?>
+<p:sld xmlns:a="http://schemas.openxmlformats.org/drawingml/2006/main" xmlns:r="http://schemas.openxmlformats.org/officeDocument/2006/relationships" xmlns:p="http://schemas.openxmlformats.org/presentationml/2006/main">
+  <p:cSld>
+    <p:spTree>
+      <p:nvGrpSpPr>
+        <p:cNvPr id="1" name=""/>
+        <p:cNvGrpSpPr/>
+        <p:nvPr/>
+      </p:nvGrpSpPr>
+      <p:grpSpPr>
+        <a:xfrm>
+          <a:off x="0" y="0"/>
+          <a:ext cx="0" cy="0"/>
+          <a:chOff x="0" y="0"/>
+          <a:chExt cx="0" cy="0"/>
+        </a:xfrm>
+      </p:grpSpPr>
+      <p:sp>
+        <p:nvSpPr>
+          <p:cNvPr id="2" name="Title 1">
+            <a:extLst>
+              <a:ext uri="{FF2B5EF4-FFF2-40B4-BE49-F238E27FC236}">
+                <a16:creationId xmlns:a16="http://schemas.microsoft.com/office/drawing/2014/main" id="{2508F392-43E9-740D-5CF5-652A71ED863E}"/>
+              </a:ext>
+            </a:extLst>
+          </p:cNvPr>
+          <p:cNvSpPr>
+            <a:spLocks noGrp="1"/>
+          </p:cNvSpPr>
+          <p:nvPr>
+            <p:ph type="title"/>
+          </p:nvPr>
+        </p:nvSpPr>
+        <p:spPr/>
+        <p:txBody>
+          <a:bodyPr/>
+          <a:lstStyle/>
+          <a:p>
+            <a:r>
+              <a:rPr lang="en-US" dirty="0"/>
+              <a:t>Single Variable Statistics</a:t>
+            </a:r>
+          </a:p>
+        </p:txBody>
+      </p:sp>
+      <p:sp>
+        <p:nvSpPr>
+          <p:cNvPr id="3" name="Content Placeholder 2">
+            <a:extLst>
+              <a:ext uri="{FF2B5EF4-FFF2-40B4-BE49-F238E27FC236}">
+                <a16:creationId xmlns:a16="http://schemas.microsoft.com/office/drawing/2014/main" id="{A2D5AFE5-FCF2-8FD7-0933-B51A554BECA4}"/>
+              </a:ext>
+            </a:extLst>
+          </p:cNvPr>
+          <p:cNvSpPr>
+            <a:spLocks noGrp="1"/>
+          </p:cNvSpPr>
+          <p:nvPr>
+            <p:ph idx="1"/>
+          </p:nvPr>
+        </p:nvSpPr>
+        <p:spPr>
+          <a:xfrm>
+            <a:off x="1451579" y="2015732"/>
+            <a:ext cx="9603275" cy="3933806"/>
+          </a:xfrm>
+        </p:spPr>
+        <p:txBody>
+          <a:bodyPr>
+            <a:normAutofit/>
+          </a:bodyPr>
+          <a:lstStyle/>
+          <a:p>
+            <a:r>
+              <a:rPr lang="en-US" dirty="0"/>
+              <a:t>These simple stats help us describe data that we are dealing with. </a:t>
+            </a:r>
+          </a:p>
+          <a:p>
+            <a:r>
+              <a:rPr lang="en-US" dirty="0"/>
+              <a:t>When we look at distributions soon, knowing a distribution pattern and these basic statistics can allow us to describe our data very accurately with a small amount of info. </a:t>
+            </a:r>
+          </a:p>
+          <a:p>
+            <a:r>
+              <a:rPr lang="en-US" dirty="0"/>
+              <a:t>These are fundamental building blocks, we should be comfortable with each and what it means. </a:t>
+            </a:r>
+          </a:p>
+          <a:p>
+            <a:endParaRPr lang="en-US" dirty="0"/>
+          </a:p>
+          <a:p>
+            <a:r>
+              <a:rPr lang="en-US" dirty="0"/>
+              <a:t>Note: each of these stats looks at one variable at a time, we haven’t looked at all at the relationships between them. </a:t>
+            </a:r>
+          </a:p>
+        </p:txBody>
+      </p:sp>
+    </p:spTree>
+    <p:extLst>
+      <p:ext uri="{BB962C8B-B14F-4D97-AF65-F5344CB8AC3E}">
+        <p14:creationId xmlns:p14="http://schemas.microsoft.com/office/powerpoint/2010/main" val="2592082144"/>
+      </p:ext>
+    </p:extLst>
+  </p:cSld>
+  <p:clrMapOvr>
+    <a:masterClrMapping/>
+  </p:clrMapOvr>
+</p:sld>
+</file>
+
+<file path=ppt/slides/slide2.xml><?xml version="1.0" encoding="utf-8"?>
+<p:sld xmlns:a="http://schemas.openxmlformats.org/drawingml/2006/main" xmlns:r="http://schemas.openxmlformats.org/officeDocument/2006/relationships" xmlns:p="http://schemas.openxmlformats.org/presentationml/2006/main">
+  <p:cSld>
+    <p:spTree>
+      <p:nvGrpSpPr>
+        <p:cNvPr id="1" name=""/>
+        <p:cNvGrpSpPr/>
+        <p:nvPr/>
+      </p:nvGrpSpPr>
+      <p:grpSpPr>
+        <a:xfrm>
+          <a:off x="0" y="0"/>
+          <a:ext cx="0" cy="0"/>
+          <a:chOff x="0" y="0"/>
+          <a:chExt cx="0" cy="0"/>
+        </a:xfrm>
+      </p:grpSpPr>
+      <p:sp>
+        <p:nvSpPr>
+          <p:cNvPr id="2" name="Title 1">
+            <a:extLst>
+              <a:ext uri="{FF2B5EF4-FFF2-40B4-BE49-F238E27FC236}">
+                <a16:creationId xmlns:a16="http://schemas.microsoft.com/office/drawing/2014/main" id="{909951EA-A403-4C52-42D9-85332BB51FB4}"/>
+              </a:ext>
+            </a:extLst>
+          </p:cNvPr>
+          <p:cNvSpPr>
+            <a:spLocks noGrp="1"/>
+          </p:cNvSpPr>
+          <p:nvPr>
+            <p:ph type="ctrTitle"/>
+          </p:nvPr>
+        </p:nvSpPr>
+        <p:spPr/>
+        <p:txBody>
+          <a:bodyPr>
+            <a:normAutofit fontScale="90000"/>
+          </a:bodyPr>
+          <a:lstStyle/>
+          <a:p>
+            <a:r>
+              <a:rPr lang="en-US" dirty="0"/>
+              <a:t>Exploring, Cleaning, and Basic Descriptive Stats</a:t>
+            </a:r>
+          </a:p>
+        </p:txBody>
+      </p:sp>
+      <p:sp>
+        <p:nvSpPr>
+          <p:cNvPr id="3" name="Subtitle 2">
+            <a:extLst>
+              <a:ext uri="{FF2B5EF4-FFF2-40B4-BE49-F238E27FC236}">
+                <a16:creationId xmlns:a16="http://schemas.microsoft.com/office/drawing/2014/main" id="{E8E05441-E8DA-B65A-0CE4-EA002051F1FC}"/>
+              </a:ext>
+            </a:extLst>
+          </p:cNvPr>
+          <p:cNvSpPr>
+            <a:spLocks noGrp="1"/>
+          </p:cNvSpPr>
+          <p:nvPr>
+            <p:ph type="subTitle" idx="1"/>
+          </p:nvPr>
+        </p:nvSpPr>
+        <p:spPr/>
+        <p:txBody>
+          <a:bodyPr/>
+          <a:lstStyle/>
+          <a:p>
+            <a:endParaRPr lang="en-US"/>
+          </a:p>
+        </p:txBody>
+      </p:sp>
+    </p:spTree>
+    <p:extLst>
+      <p:ext uri="{BB962C8B-B14F-4D97-AF65-F5344CB8AC3E}">
+        <p14:creationId xmlns:p14="http://schemas.microsoft.com/office/powerpoint/2010/main" val="757335135"/>
+      </p:ext>
+    </p:extLst>
+  </p:cSld>
+  <p:clrMapOvr>
+    <a:masterClrMapping/>
+  </p:clrMapOvr>
+</p:sld>
+</file>
+
+<file path=ppt/slides/slide20.xml><?xml version="1.0" encoding="utf-8"?>
+<p:sld xmlns:a="http://schemas.openxmlformats.org/drawingml/2006/main" xmlns:r="http://schemas.openxmlformats.org/officeDocument/2006/relationships" xmlns:p="http://schemas.openxmlformats.org/presentationml/2006/main">
+  <p:cSld>
+    <p:spTree>
+      <p:nvGrpSpPr>
+        <p:cNvPr id="1" name=""/>
+        <p:cNvGrpSpPr/>
+        <p:nvPr/>
+      </p:nvGrpSpPr>
+      <p:grpSpPr>
+        <a:xfrm>
+          <a:off x="0" y="0"/>
+          <a:ext cx="0" cy="0"/>
+          <a:chOff x="0" y="0"/>
+          <a:chExt cx="0" cy="0"/>
+        </a:xfrm>
+      </p:grpSpPr>
+      <p:sp>
+        <p:nvSpPr>
+          <p:cNvPr id="2" name="Title 1">
+            <a:extLst>
+              <a:ext uri="{FF2B5EF4-FFF2-40B4-BE49-F238E27FC236}">
+                <a16:creationId xmlns:a16="http://schemas.microsoft.com/office/drawing/2014/main" id="{ECA187AE-94DB-CC0C-ECE4-70AE968619B3}"/>
+              </a:ext>
+            </a:extLst>
+          </p:cNvPr>
+          <p:cNvSpPr>
+            <a:spLocks noGrp="1"/>
+          </p:cNvSpPr>
+          <p:nvPr>
+            <p:ph type="title"/>
+          </p:nvPr>
+        </p:nvSpPr>
+        <p:spPr/>
+        <p:txBody>
+          <a:bodyPr/>
+          <a:lstStyle/>
+          <a:p>
+            <a:r>
+              <a:rPr lang="en-US" dirty="0"/>
+              <a:t>Why?</a:t>
+            </a:r>
+          </a:p>
+        </p:txBody>
+      </p:sp>
+      <p:sp>
+        <p:nvSpPr>
+          <p:cNvPr id="3" name="Content Placeholder 2">
+            <a:extLst>
+              <a:ext uri="{FF2B5EF4-FFF2-40B4-BE49-F238E27FC236}">
+                <a16:creationId xmlns:a16="http://schemas.microsoft.com/office/drawing/2014/main" id="{6A60F804-316D-D517-5DA0-B955461BD26A}"/>
+              </a:ext>
+            </a:extLst>
+          </p:cNvPr>
+          <p:cNvSpPr>
+            <a:spLocks noGrp="1"/>
+          </p:cNvSpPr>
+          <p:nvPr>
+            <p:ph idx="1"/>
+          </p:nvPr>
+        </p:nvSpPr>
+        <p:spPr>
+          <a:xfrm>
+            <a:off x="1451579" y="2015732"/>
+            <a:ext cx="9603275" cy="4037749"/>
+          </a:xfrm>
+        </p:spPr>
+        <p:txBody>
+          <a:bodyPr/>
+          <a:lstStyle/>
+          <a:p>
+            <a:r>
+              <a:rPr lang="en-US" dirty="0"/>
+              <a:t>We explore data to understand it and to know what needs to be done to get it ready. </a:t>
+            </a:r>
+          </a:p>
+        </p:txBody>
+      </p:sp>
+      <p:pic>
+        <p:nvPicPr>
+          <p:cNvPr id="2050" name="Picture 2" descr="What is Data Exploration? A Comprehensive Guide | eduCBA">
+            <a:extLst>
+              <a:ext uri="{FF2B5EF4-FFF2-40B4-BE49-F238E27FC236}">
+                <a16:creationId xmlns:a16="http://schemas.microsoft.com/office/drawing/2014/main" id="{257E1A77-4853-F1D7-A30F-75CC23D03F06}"/>
+              </a:ext>
+            </a:extLst>
+          </p:cNvPr>
+          <p:cNvPicPr>
+            <a:picLocks noChangeAspect="1" noChangeArrowheads="1"/>
+          </p:cNvPicPr>
+          <p:nvPr/>
+        </p:nvPicPr>
+        <p:blipFill rotWithShape="1">
+          <a:blip r:embed="rId2">
+            <a:extLst>
+              <a:ext uri="{28A0092B-C50C-407E-A947-70E740481C1C}">
+                <a14:useLocalDpi xmlns:a14="http://schemas.microsoft.com/office/drawing/2010/main" val="0"/>
+              </a:ext>
+            </a:extLst>
+          </a:blip>
+          <a:srcRect l="14088" r="9327" b="3603"/>
+          <a:stretch/>
+        </p:blipFill>
+        <p:spPr bwMode="auto">
+          <a:xfrm>
+            <a:off x="3091475" y="2508422"/>
+            <a:ext cx="6009050" cy="4254460"/>
+          </a:xfrm>
+          <a:prstGeom prst="rect">
+            <a:avLst/>
+          </a:prstGeom>
+          <a:noFill/>
+          <a:extLst>
+            <a:ext uri="{909E8E84-426E-40DD-AFC4-6F175D3DCCD1}">
+              <a14:hiddenFill xmlns:a14="http://schemas.microsoft.com/office/drawing/2010/main">
+                <a:solidFill>
+                  <a:srgbClr val="FFFFFF"/>
+                </a:solidFill>
+              </a14:hiddenFill>
+            </a:ext>
+          </a:extLst>
+        </p:spPr>
+      </p:pic>
+    </p:spTree>
+    <p:extLst>
+      <p:ext uri="{BB962C8B-B14F-4D97-AF65-F5344CB8AC3E}">
+        <p14:creationId xmlns:p14="http://schemas.microsoft.com/office/powerpoint/2010/main" val="2612054075"/>
+      </p:ext>
+    </p:extLst>
+  </p:cSld>
+  <p:clrMapOvr>
+    <a:masterClrMapping/>
+  </p:clrMapOvr>
+</p:sld>
+</file>
+
+<file path=ppt/slides/slide21.xml><?xml version="1.0" encoding="utf-8"?>
+<p:sld xmlns:a="http://schemas.openxmlformats.org/drawingml/2006/main" xmlns:r="http://schemas.openxmlformats.org/officeDocument/2006/relationships" xmlns:p="http://schemas.openxmlformats.org/presentationml/2006/main">
+  <p:cSld>
+    <p:spTree>
+      <p:nvGrpSpPr>
+        <p:cNvPr id="1" name=""/>
+        <p:cNvGrpSpPr/>
+        <p:nvPr/>
+      </p:nvGrpSpPr>
+      <p:grpSpPr>
+        <a:xfrm>
+          <a:off x="0" y="0"/>
+          <a:ext cx="0" cy="0"/>
+          <a:chOff x="0" y="0"/>
+          <a:chExt cx="0" cy="0"/>
+        </a:xfrm>
+      </p:grpSpPr>
+      <p:sp>
+        <p:nvSpPr>
+          <p:cNvPr id="2" name="Title 1">
+            <a:extLst>
+              <a:ext uri="{FF2B5EF4-FFF2-40B4-BE49-F238E27FC236}">
+                <a16:creationId xmlns:a16="http://schemas.microsoft.com/office/drawing/2014/main" id="{FFAE7BDD-2140-077F-B264-06D985A70E5E}"/>
+              </a:ext>
+            </a:extLst>
+          </p:cNvPr>
+          <p:cNvSpPr>
+            <a:spLocks noGrp="1"/>
+          </p:cNvSpPr>
+          <p:nvPr>
+            <p:ph type="title"/>
+          </p:nvPr>
+        </p:nvSpPr>
+        <p:spPr/>
+        <p:txBody>
+          <a:bodyPr/>
+          <a:lstStyle/>
+          <a:p>
+            <a:r>
+              <a:rPr lang="en-US" dirty="0"/>
+              <a:t>Understanding the Data</a:t>
+            </a:r>
+          </a:p>
+        </p:txBody>
+      </p:sp>
+      <p:sp>
+        <p:nvSpPr>
+          <p:cNvPr id="3" name="Content Placeholder 2">
+            <a:extLst>
+              <a:ext uri="{FF2B5EF4-FFF2-40B4-BE49-F238E27FC236}">
+                <a16:creationId xmlns:a16="http://schemas.microsoft.com/office/drawing/2014/main" id="{E2B0D456-F103-8A0E-B091-3267CA6CEF41}"/>
+              </a:ext>
+            </a:extLst>
+          </p:cNvPr>
+          <p:cNvSpPr>
+            <a:spLocks noGrp="1"/>
+          </p:cNvSpPr>
+          <p:nvPr>
+            <p:ph idx="1"/>
+          </p:nvPr>
+        </p:nvSpPr>
+        <p:spPr>
+          <a:xfrm>
+            <a:off x="1451579" y="1853754"/>
+            <a:ext cx="9603275" cy="4199727"/>
+          </a:xfrm>
+        </p:spPr>
+        <p:txBody>
+          <a:bodyPr/>
+          <a:lstStyle/>
+          <a:p>
+            <a:r>
+              <a:rPr lang="en-US" dirty="0"/>
+              <a:t>One reason for data exploration is to “understand” the data better prior to analysis. </a:t>
+            </a:r>
+          </a:p>
+          <a:p>
+            <a:r>
+              <a:rPr lang="en-US" dirty="0"/>
+              <a:t>Understanding is a very vague goal. </a:t>
+            </a:r>
+          </a:p>
+          <a:p>
+            <a:r>
+              <a:rPr lang="en-US" dirty="0"/>
+              <a:t>We don’t really </a:t>
+            </a:r>
+            <a:r>
+              <a:rPr lang="en-US" i="1" dirty="0"/>
+              <a:t>need</a:t>
+            </a:r>
+            <a:r>
+              <a:rPr lang="en-US" dirty="0"/>
+              <a:t> a deep understanding of stats to do ML. </a:t>
+            </a:r>
+          </a:p>
+          <a:p>
+            <a:r>
+              <a:rPr lang="en-US" dirty="0"/>
+              <a:t>As you do more DS work (likely beyond this class) the understanding matters more:</a:t>
+            </a:r>
+          </a:p>
+          <a:p>
+            <a:pPr lvl="1"/>
+            <a:r>
+              <a:rPr lang="en-US" dirty="0"/>
+              <a:t>Judging which variables are important/useful and which aren’t. </a:t>
+            </a:r>
+          </a:p>
+          <a:p>
+            <a:pPr lvl="1"/>
+            <a:r>
+              <a:rPr lang="en-US" dirty="0"/>
+              <a:t>Choosing different options to improve accuracy of predictions. </a:t>
+            </a:r>
+          </a:p>
+          <a:p>
+            <a:pPr lvl="1"/>
+            <a:r>
+              <a:rPr lang="en-US" dirty="0"/>
+              <a:t>Deciding on different transformations (modifying the data) to help make better predictions. </a:t>
+            </a:r>
+          </a:p>
+          <a:p>
+            <a:pPr lvl="1"/>
+            <a:r>
+              <a:rPr lang="en-US" dirty="0"/>
+              <a:t>This stuff isn’t necessary for it to work, but comes up when making things good. </a:t>
+            </a:r>
+          </a:p>
+          <a:p>
+            <a:r>
+              <a:rPr lang="en-US" dirty="0"/>
+              <a:t>For now, we want tools to explore the data, the why comes as we learn. </a:t>
+            </a:r>
+          </a:p>
+        </p:txBody>
+      </p:sp>
+    </p:spTree>
+    <p:extLst>
+      <p:ext uri="{BB962C8B-B14F-4D97-AF65-F5344CB8AC3E}">
+        <p14:creationId xmlns:p14="http://schemas.microsoft.com/office/powerpoint/2010/main" val="939448692"/>
+      </p:ext>
+    </p:extLst>
+  </p:cSld>
+  <p:clrMapOvr>
+    <a:masterClrMapping/>
+  </p:clrMapOvr>
+</p:sld>
+</file>
+
+<file path=ppt/slides/slide22.xml><?xml version="1.0" encoding="utf-8"?>
+<p:sld xmlns:a="http://schemas.openxmlformats.org/drawingml/2006/main" xmlns:r="http://schemas.openxmlformats.org/officeDocument/2006/relationships" xmlns:p="http://schemas.openxmlformats.org/presentationml/2006/main">
+  <p:cSld>
+    <p:spTree>
+      <p:nvGrpSpPr>
+        <p:cNvPr id="1" name=""/>
+        <p:cNvGrpSpPr/>
+        <p:nvPr/>
+      </p:nvGrpSpPr>
+      <p:grpSpPr>
+        <a:xfrm>
+          <a:off x="0" y="0"/>
+          <a:ext cx="0" cy="0"/>
+          <a:chOff x="0" y="0"/>
+          <a:chExt cx="0" cy="0"/>
+        </a:xfrm>
+      </p:grpSpPr>
+      <p:sp>
+        <p:nvSpPr>
+          <p:cNvPr id="2" name="Title 1">
+            <a:extLst>
+              <a:ext uri="{FF2B5EF4-FFF2-40B4-BE49-F238E27FC236}">
+                <a16:creationId xmlns:a16="http://schemas.microsoft.com/office/drawing/2014/main" id="{CEFA8A87-7107-3D1B-B0B1-A89C2B8A9453}"/>
+              </a:ext>
+            </a:extLst>
+          </p:cNvPr>
+          <p:cNvSpPr>
+            <a:spLocks noGrp="1"/>
+          </p:cNvSpPr>
+          <p:nvPr>
+            <p:ph type="title"/>
+          </p:nvPr>
+        </p:nvSpPr>
+        <p:spPr/>
+        <p:txBody>
+          <a:bodyPr/>
+          <a:lstStyle/>
+          <a:p>
+            <a:r>
+              <a:rPr lang="en-US" dirty="0"/>
+              <a:t>Data Cleanup</a:t>
+            </a:r>
+          </a:p>
+        </p:txBody>
+      </p:sp>
+      <p:sp>
+        <p:nvSpPr>
+          <p:cNvPr id="3" name="Content Placeholder 2">
+            <a:extLst>
+              <a:ext uri="{FF2B5EF4-FFF2-40B4-BE49-F238E27FC236}">
+                <a16:creationId xmlns:a16="http://schemas.microsoft.com/office/drawing/2014/main" id="{26213D9C-4D45-E829-3565-6DC3C638E857}"/>
+              </a:ext>
+            </a:extLst>
+          </p:cNvPr>
+          <p:cNvSpPr>
+            <a:spLocks noGrp="1"/>
+          </p:cNvSpPr>
+          <p:nvPr>
+            <p:ph idx="1"/>
+          </p:nvPr>
+        </p:nvSpPr>
+        <p:spPr>
+          <a:xfrm>
+            <a:off x="1451579" y="1853754"/>
+            <a:ext cx="9603275" cy="4199727"/>
+          </a:xfrm>
+        </p:spPr>
+        <p:txBody>
+          <a:bodyPr/>
+          <a:lstStyle/>
+          <a:p>
+            <a:r>
+              <a:rPr lang="en-US" dirty="0"/>
+              <a:t>One big reason to explore data is to know what we need to do to clean it. </a:t>
+            </a:r>
+          </a:p>
+          <a:p>
+            <a:r>
+              <a:rPr lang="en-US" dirty="0"/>
+              <a:t>Cleaning data is needed, but also open ended. </a:t>
+            </a:r>
+          </a:p>
+          <a:p>
+            <a:pPr lvl="1"/>
+            <a:r>
+              <a:rPr lang="en-US" dirty="0"/>
+              <a:t>Remove large outliers, or at least check that we should keep them. </a:t>
+            </a:r>
+          </a:p>
+          <a:p>
+            <a:pPr lvl="1"/>
+            <a:r>
+              <a:rPr lang="en-US" dirty="0"/>
+              <a:t>Fix any errors – stray values, mistakes, </a:t>
+            </a:r>
+            <a:r>
+              <a:rPr lang="en-US" dirty="0" err="1"/>
+              <a:t>etc</a:t>
+            </a:r>
+            <a:r>
+              <a:rPr lang="en-US" dirty="0"/>
+              <a:t>…</a:t>
+            </a:r>
+          </a:p>
+          <a:p>
+            <a:pPr lvl="1"/>
+            <a:r>
+              <a:rPr lang="en-US" dirty="0"/>
+              <a:t>Convert and correct types – we want numbers to be numbers, dates as dates, </a:t>
+            </a:r>
+            <a:r>
+              <a:rPr lang="en-US" dirty="0" err="1"/>
+              <a:t>etc</a:t>
+            </a:r>
+            <a:r>
+              <a:rPr lang="en-US" dirty="0"/>
+              <a:t>…</a:t>
+            </a:r>
+          </a:p>
+          <a:p>
+            <a:pPr lvl="1"/>
+            <a:r>
+              <a:rPr lang="en-US" dirty="0"/>
+              <a:t>More analytics-focused cleanup – relating to values and distributions. </a:t>
+            </a:r>
+          </a:p>
+          <a:p>
+            <a:r>
+              <a:rPr lang="en-US" dirty="0"/>
+              <a:t>Before we do analysis, we need to cleanup the data. </a:t>
+            </a:r>
+          </a:p>
+          <a:p>
+            <a:pPr lvl="1"/>
+            <a:r>
+              <a:rPr lang="en-US" dirty="0"/>
+              <a:t>For now – outliers, errors, data type </a:t>
+            </a:r>
+            <a:r>
+              <a:rPr lang="en-US"/>
+              <a:t>mistakes primarily. </a:t>
+            </a:r>
+            <a:endParaRPr lang="en-US" dirty="0"/>
+          </a:p>
+          <a:p>
+            <a:r>
+              <a:rPr lang="en-US" dirty="0"/>
+              <a:t>This cleanup depends on the data, our goal, and our understanding. </a:t>
+            </a:r>
+          </a:p>
+        </p:txBody>
+      </p:sp>
+    </p:spTree>
+    <p:extLst>
+      <p:ext uri="{BB962C8B-B14F-4D97-AF65-F5344CB8AC3E}">
+        <p14:creationId xmlns:p14="http://schemas.microsoft.com/office/powerpoint/2010/main" val="1487300116"/>
+      </p:ext>
+    </p:extLst>
+  </p:cSld>
+  <p:clrMapOvr>
+    <a:masterClrMapping/>
+  </p:clrMapOvr>
+</p:sld>
+</file>
+
+<file path=ppt/slides/slide23.xml><?xml version="1.0" encoding="utf-8"?>
 <p:sld xmlns:a="http://schemas.openxmlformats.org/drawingml/2006/main" xmlns:r="http://schemas.openxmlformats.org/officeDocument/2006/relationships" xmlns:p="http://schemas.openxmlformats.org/presentationml/2006/main">
   <p:cSld>
     <p:bg>
@@ -4666,12 +5834,146 @@
           <a:chExt cx="0" cy="0"/>
         </a:xfrm>
       </p:grpSpPr>
+      <p:sp useBgFill="1">
+        <p:nvSpPr>
+          <p:cNvPr id="3081" name="Rectangle 3080">
+            <a:extLst>
+              <a:ext uri="{FF2B5EF4-FFF2-40B4-BE49-F238E27FC236}">
+                <a16:creationId xmlns:a16="http://schemas.microsoft.com/office/drawing/2014/main" id="{C630F413-44CE-4746-9821-9E0107978E7A}"/>
+              </a:ext>
+              <a:ext uri="{C183D7F6-B498-43B3-948B-1728B52AA6E4}">
+                <adec:decorative xmlns:adec="http://schemas.microsoft.com/office/drawing/2017/decorative" val="1"/>
+              </a:ext>
+            </a:extLst>
+          </p:cNvPr>
+          <p:cNvSpPr>
+            <a:spLocks noGrp="1" noRot="1" noChangeAspect="1" noMove="1" noResize="1" noEditPoints="1" noAdjustHandles="1" noChangeArrowheads="1" noChangeShapeType="1" noTextEdit="1"/>
+          </p:cNvSpPr>
+          <p:nvPr>
+            <p:extLst>
+              <p:ext uri="{386F3935-93C4-4BCD-93E2-E3B085C9AB24}">
+                <p16:designElem xmlns:p16="http://schemas.microsoft.com/office/powerpoint/2015/main" val="1"/>
+              </p:ext>
+            </p:extLst>
+          </p:nvPr>
+        </p:nvSpPr>
+        <p:spPr>
+          <a:xfrm>
+            <a:off x="2" y="0"/>
+            <a:ext cx="12191695" cy="6858000"/>
+          </a:xfrm>
+          <a:prstGeom prst="rect">
+            <a:avLst/>
+          </a:prstGeom>
+          <a:ln>
+            <a:noFill/>
+          </a:ln>
+        </p:spPr>
+        <p:style>
+          <a:lnRef idx="2">
+            <a:schemeClr val="accent1">
+              <a:shade val="50000"/>
+            </a:schemeClr>
+          </a:lnRef>
+          <a:fillRef idx="1">
+            <a:schemeClr val="accent1"/>
+          </a:fillRef>
+          <a:effectRef idx="0">
+            <a:schemeClr val="accent1"/>
+          </a:effectRef>
+          <a:fontRef idx="minor">
+            <a:schemeClr val="lt1"/>
+          </a:fontRef>
+        </p:style>
+        <p:txBody>
+          <a:bodyPr rtlCol="0" anchor="ctr"/>
+          <a:lstStyle/>
+          <a:p>
+            <a:pPr algn="ctr"/>
+            <a:endParaRPr lang="en-US"/>
+          </a:p>
+        </p:txBody>
+      </p:sp>
+      <p:sp>
+        <p:nvSpPr>
+          <p:cNvPr id="3083" name="Rectangle 3082">
+            <a:extLst>
+              <a:ext uri="{FF2B5EF4-FFF2-40B4-BE49-F238E27FC236}">
+                <a16:creationId xmlns:a16="http://schemas.microsoft.com/office/drawing/2014/main" id="{22D671B1-B099-4F9C-B9CC-9D22B4DAF8A8}"/>
+              </a:ext>
+              <a:ext uri="{C183D7F6-B498-43B3-948B-1728B52AA6E4}">
+                <adec:decorative xmlns:adec="http://schemas.microsoft.com/office/drawing/2017/decorative" val="1"/>
+              </a:ext>
+            </a:extLst>
+          </p:cNvPr>
+          <p:cNvSpPr>
+            <a:spLocks noGrp="1" noRot="1" noChangeAspect="1" noMove="1" noResize="1" noEditPoints="1" noAdjustHandles="1" noChangeArrowheads="1" noChangeShapeType="1" noTextEdit="1"/>
+          </p:cNvSpPr>
+          <p:nvPr>
+            <p:extLst>
+              <p:ext uri="{386F3935-93C4-4BCD-93E2-E3B085C9AB24}">
+                <p16:designElem xmlns:p16="http://schemas.microsoft.com/office/powerpoint/2015/main" val="1"/>
+              </p:ext>
+            </p:extLst>
+          </p:nvPr>
+        </p:nvSpPr>
+        <p:spPr>
+          <a:xfrm>
+            <a:off x="0" y="2019476"/>
+            <a:ext cx="12192000" cy="4838524"/>
+          </a:xfrm>
+          <a:prstGeom prst="rect">
+            <a:avLst/>
+          </a:prstGeom>
+          <a:gradFill flip="none" rotWithShape="1">
+            <a:gsLst>
+              <a:gs pos="0">
+                <a:schemeClr val="bg2">
+                  <a:alpha val="0"/>
+                </a:schemeClr>
+              </a:gs>
+              <a:gs pos="100000">
+                <a:schemeClr val="bg2"/>
+              </a:gs>
+            </a:gsLst>
+            <a:lin ang="5400000" scaled="0"/>
+            <a:tileRect/>
+          </a:gradFill>
+          <a:ln>
+            <a:noFill/>
+          </a:ln>
+        </p:spPr>
+        <p:style>
+          <a:lnRef idx="2">
+            <a:schemeClr val="accent1">
+              <a:shade val="50000"/>
+            </a:schemeClr>
+          </a:lnRef>
+          <a:fillRef idx="1">
+            <a:schemeClr val="accent1"/>
+          </a:fillRef>
+          <a:effectRef idx="0">
+            <a:schemeClr val="accent1"/>
+          </a:effectRef>
+          <a:fontRef idx="minor">
+            <a:schemeClr val="lt1"/>
+          </a:fontRef>
+        </p:style>
+        <p:txBody>
+          <a:bodyPr rtlCol="0" anchor="ctr"/>
+          <a:lstStyle/>
+          <a:p>
+            <a:pPr lvl="0" algn="ctr"/>
+            <a:endParaRPr lang="en-US"/>
+          </a:p>
+        </p:txBody>
+      </p:sp>
       <p:sp>
         <p:nvSpPr>
           <p:cNvPr id="2" name="Title 1">
             <a:extLst>
               <a:ext uri="{FF2B5EF4-FFF2-40B4-BE49-F238E27FC236}">
-                <a16:creationId xmlns:a16="http://schemas.microsoft.com/office/drawing/2014/main" id="{932D7D5B-A47B-7134-F270-BC8FC9211DC3}"/>
+                <a16:creationId xmlns:a16="http://schemas.microsoft.com/office/drawing/2014/main" id="{14C13C57-9034-800E-F9E0-90B1B8BDF1E4}"/>
               </a:ext>
             </a:extLst>
           </p:cNvPr>
@@ -4684,82 +5986,138 @@
         </p:nvSpPr>
         <p:spPr>
           <a:xfrm>
-            <a:off x="1451579" y="804519"/>
-            <a:ext cx="9603275" cy="1049235"/>
-          </a:xfrm>
-        </p:spPr>
-        <p:txBody>
-          <a:bodyPr>
+            <a:off x="7628043" y="707475"/>
+            <a:ext cx="4521547" cy="1312001"/>
+          </a:xfrm>
+        </p:spPr>
+        <p:txBody>
+          <a:bodyPr anchor="t">
             <a:normAutofit/>
           </a:bodyPr>
           <a:lstStyle/>
           <a:p>
             <a:r>
-              <a:rPr lang="en-US" dirty="0"/>
-              <a:t>Histogram</a:t>
-            </a:r>
-          </a:p>
-        </p:txBody>
-      </p:sp>
-      <p:sp>
-        <p:nvSpPr>
-          <p:cNvPr id="3" name="Content Placeholder 2">
+              <a:rPr lang="en-US" sz="2800" dirty="0"/>
+              <a:t>Cleaning Data is Big!</a:t>
+            </a:r>
+          </a:p>
+        </p:txBody>
+      </p:sp>
+      <p:cxnSp>
+        <p:nvCxnSpPr>
+          <p:cNvPr id="3085" name="Straight Connector 3084">
             <a:extLst>
               <a:ext uri="{FF2B5EF4-FFF2-40B4-BE49-F238E27FC236}">
-                <a16:creationId xmlns:a16="http://schemas.microsoft.com/office/drawing/2014/main" id="{3E541969-E2CA-10CF-845D-D3ACC7DF8DE4}"/>
+                <a16:creationId xmlns:a16="http://schemas.microsoft.com/office/drawing/2014/main" id="{7552FBEF-FA69-427B-8245-0A518E0513D5}"/>
+              </a:ext>
+              <a:ext uri="{C183D7F6-B498-43B3-948B-1728B52AA6E4}">
+                <adec:decorative xmlns:adec="http://schemas.microsoft.com/office/drawing/2017/decorative" val="1"/>
               </a:ext>
             </a:extLst>
           </p:cNvPr>
-          <p:cNvSpPr>
-            <a:spLocks noGrp="1"/>
-          </p:cNvSpPr>
-          <p:nvPr>
-            <p:ph idx="1"/>
-          </p:nvPr>
-        </p:nvSpPr>
+          <p:cNvCxnSpPr>
+            <a:cxnSpLocks noGrp="1" noRot="1" noChangeAspect="1" noMove="1" noResize="1" noEditPoints="1" noAdjustHandles="1" noChangeArrowheads="1" noChangeShapeType="1"/>
+          </p:cNvCxnSpPr>
+          <p:nvPr>
+            <p:extLst>
+              <p:ext uri="{386F3935-93C4-4BCD-93E2-E3B085C9AB24}">
+                <p16:designElem xmlns:p16="http://schemas.microsoft.com/office/powerpoint/2015/main" val="1"/>
+              </p:ext>
+            </p:extLst>
+          </p:nvPr>
+        </p:nvCxnSpPr>
         <p:spPr>
           <a:xfrm>
-            <a:off x="593125" y="1853754"/>
-            <a:ext cx="5021010" cy="4199727"/>
-          </a:xfrm>
-        </p:spPr>
-        <p:txBody>
-          <a:bodyPr>
+            <a:off x="7555992" y="2146542"/>
+            <a:ext cx="3157578" cy="0"/>
+          </a:xfrm>
+          <a:prstGeom prst="line">
+            <a:avLst/>
+          </a:prstGeom>
+          <a:ln w="31750"/>
+        </p:spPr>
+        <p:style>
+          <a:lnRef idx="3">
+            <a:schemeClr val="accent1"/>
+          </a:lnRef>
+          <a:fillRef idx="0">
+            <a:schemeClr val="accent1"/>
+          </a:fillRef>
+          <a:effectRef idx="2">
+            <a:schemeClr val="accent1"/>
+          </a:effectRef>
+          <a:fontRef idx="minor">
+            <a:schemeClr val="tx1"/>
+          </a:fontRef>
+        </p:style>
+      </p:cxnSp>
+      <p:sp>
+        <p:nvSpPr>
+          <p:cNvPr id="3087" name="Title 1">
+            <a:extLst>
+              <a:ext uri="{FF2B5EF4-FFF2-40B4-BE49-F238E27FC236}">
+                <a16:creationId xmlns:a16="http://schemas.microsoft.com/office/drawing/2014/main" id="{898488B7-DBD3-40E7-B54B-4DA6C5693EF3}"/>
+              </a:ext>
+              <a:ext uri="{C183D7F6-B498-43B3-948B-1728B52AA6E4}">
+                <adec:decorative xmlns:adec="http://schemas.microsoft.com/office/drawing/2017/decorative" val="1"/>
+              </a:ext>
+            </a:extLst>
+          </p:cNvPr>
+          <p:cNvSpPr txBox="1">
+            <a:spLocks noGrp="1" noRot="1" noChangeAspect="1" noMove="1" noResize="1" noEditPoints="1" noAdjustHandles="1" noChangeArrowheads="1" noChangeShapeType="1" noTextEdit="1"/>
+          </p:cNvSpPr>
+          <p:nvPr>
+            <p:extLst>
+              <p:ext uri="{386F3935-93C4-4BCD-93E2-E3B085C9AB24}">
+                <p16:designElem xmlns:p16="http://schemas.microsoft.com/office/powerpoint/2015/main" val="1"/>
+              </p:ext>
+            </p:extLst>
+          </p:nvPr>
+        </p:nvSpPr>
+        <p:spPr>
+          <a:xfrm>
+            <a:off x="1451580" y="3122496"/>
+            <a:ext cx="3530157" cy="1049235"/>
+          </a:xfrm>
+          <a:prstGeom prst="rect">
+            <a:avLst/>
+          </a:prstGeom>
+        </p:spPr>
+        <p:txBody>
+          <a:bodyPr vert="horz" lIns="91440" tIns="45720" rIns="91440" bIns="45720" rtlCol="0" anchor="t">
             <a:normAutofit/>
           </a:bodyPr>
-          <a:lstStyle/>
-          <a:p>
-            <a:r>
-              <a:rPr lang="en-US" dirty="0"/>
-              <a:t>A histogram is a plot to show us the stats of one variable. </a:t>
-            </a:r>
-          </a:p>
-          <a:p>
-            <a:r>
-              <a:rPr lang="en-US" dirty="0"/>
-              <a:t>It is generated by breaking a variable into “bins”, and counting the number of records in each bin. </a:t>
-            </a:r>
-          </a:p>
-          <a:p>
-            <a:r>
-              <a:rPr lang="en-US" dirty="0"/>
-              <a:t>The y axis is just the count of each bin. </a:t>
-            </a:r>
-          </a:p>
-          <a:p>
-            <a:r>
-              <a:rPr lang="en-US" dirty="0"/>
-              <a:t>Allows us to visualize range, estimate mean/median, and see the distribution. </a:t>
-            </a:r>
+          <a:lstStyle>
+            <a:lvl1pPr algn="l" defTabSz="914400" rtl="0" eaLnBrk="1" latinLnBrk="0" hangingPunct="1">
+              <a:lnSpc>
+                <a:spcPct val="90000"/>
+              </a:lnSpc>
+              <a:spcBef>
+                <a:spcPct val="0"/>
+              </a:spcBef>
+              <a:buNone/>
+              <a:defRPr sz="3200" b="0" i="0" kern="1200" cap="all">
+                <a:solidFill>
+                  <a:schemeClr val="tx1"/>
+                </a:solidFill>
+                <a:effectLst/>
+                <a:latin typeface="+mj-lt"/>
+                <a:ea typeface="+mj-ea"/>
+                <a:cs typeface="+mj-cs"/>
+              </a:defRPr>
+            </a:lvl1pPr>
+          </a:lstStyle>
+          <a:p>
+            <a:endParaRPr lang="en-US" dirty="0"/>
           </a:p>
         </p:txBody>
       </p:sp>
       <p:pic>
         <p:nvPicPr>
-          <p:cNvPr id="1026" name="Picture 2" descr="Histogram | Definition, Examples, Parts, How To Plot, Types, Application">
+          <p:cNvPr id="3076" name="Picture 4" descr="Lesson 3 - Data cleaning and feature engineering | dslectures">
             <a:extLst>
               <a:ext uri="{FF2B5EF4-FFF2-40B4-BE49-F238E27FC236}">
-                <a16:creationId xmlns:a16="http://schemas.microsoft.com/office/drawing/2014/main" id="{497F1CB1-61DD-4CC5-528B-A5B41311B362}"/>
+                <a16:creationId xmlns:a16="http://schemas.microsoft.com/office/drawing/2014/main" id="{D44632FF-AAA0-00A6-1AEC-30F6961065BE}"/>
               </a:ext>
             </a:extLst>
           </p:cNvPr>
@@ -4776,13 +6134,13 @@
               </a:ext>
             </a:extLst>
           </a:blip>
-          <a:srcRect t="6059" r="25319" b="6962"/>
+          <a:srcRect b="5063"/>
           <a:stretch/>
         </p:blipFill>
         <p:spPr bwMode="auto">
           <a:xfrm>
-            <a:off x="5931243" y="1853754"/>
-            <a:ext cx="6260757" cy="5032911"/>
+            <a:off x="42409" y="211892"/>
+            <a:ext cx="7543227" cy="5854371"/>
           </a:xfrm>
           <a:prstGeom prst="rect">
             <a:avLst/>
@@ -4799,10 +6157,61 @@
           </a:extLst>
         </p:spPr>
       </p:pic>
+      <p:sp>
+        <p:nvSpPr>
+          <p:cNvPr id="3" name="Content Placeholder 2">
+            <a:extLst>
+              <a:ext uri="{FF2B5EF4-FFF2-40B4-BE49-F238E27FC236}">
+                <a16:creationId xmlns:a16="http://schemas.microsoft.com/office/drawing/2014/main" id="{745F46B3-D269-C01D-07E3-84EFDD77F205}"/>
+              </a:ext>
+            </a:extLst>
+          </p:cNvPr>
+          <p:cNvSpPr>
+            <a:spLocks noGrp="1"/>
+          </p:cNvSpPr>
+          <p:nvPr>
+            <p:ph idx="1"/>
+          </p:nvPr>
+        </p:nvSpPr>
+        <p:spPr>
+          <a:xfrm>
+            <a:off x="7628043" y="2273608"/>
+            <a:ext cx="4521547" cy="4584392"/>
+          </a:xfrm>
+        </p:spPr>
+        <p:txBody>
+          <a:bodyPr>
+            <a:normAutofit/>
+          </a:bodyPr>
+          <a:lstStyle/>
+          <a:p>
+            <a:pPr>
+              <a:lnSpc>
+                <a:spcPct val="110000"/>
+              </a:lnSpc>
+            </a:pPr>
+            <a:r>
+              <a:rPr lang="en-US" dirty="0"/>
+              <a:t>Most of the work in data science is getting data ready!</a:t>
+            </a:r>
+          </a:p>
+          <a:p>
+            <a:pPr>
+              <a:lnSpc>
+                <a:spcPct val="110000"/>
+              </a:lnSpc>
+            </a:pPr>
+            <a:r>
+              <a:rPr lang="en-US" dirty="0"/>
+              <a:t>In “normal” programs we tell the computer what to do, in ML we give it examples (data) and it figures it out – our work is on prepping the data, and setting the “rule” of learning. </a:t>
+            </a:r>
+          </a:p>
+        </p:txBody>
+      </p:sp>
     </p:spTree>
     <p:extLst>
       <p:ext uri="{BB962C8B-B14F-4D97-AF65-F5344CB8AC3E}">
-        <p14:creationId xmlns:p14="http://schemas.microsoft.com/office/powerpoint/2010/main" val="3087505451"/>
+        <p14:creationId xmlns:p14="http://schemas.microsoft.com/office/powerpoint/2010/main" val="8172369"/>
       </p:ext>
     </p:extLst>
   </p:cSld>
@@ -4812,7 +6221,7 @@
 </p:sld>
 </file>
 
-<file path=ppt/slides/slide17.xml><?xml version="1.0" encoding="utf-8"?>
+<file path=ppt/slides/slide24.xml><?xml version="1.0" encoding="utf-8"?>
 <p:sld xmlns:a="http://schemas.openxmlformats.org/drawingml/2006/main" xmlns:r="http://schemas.openxmlformats.org/officeDocument/2006/relationships" xmlns:p="http://schemas.openxmlformats.org/presentationml/2006/main">
   <p:cSld>
     <p:spTree>
@@ -4834,7 +6243,7 @@
           <p:cNvPr id="2" name="Title 1">
             <a:extLst>
               <a:ext uri="{FF2B5EF4-FFF2-40B4-BE49-F238E27FC236}">
-                <a16:creationId xmlns:a16="http://schemas.microsoft.com/office/drawing/2014/main" id="{ECA187AE-94DB-CC0C-ECE4-70AE968619B3}"/>
+                <a16:creationId xmlns:a16="http://schemas.microsoft.com/office/drawing/2014/main" id="{138DAAF2-2EEB-894A-966F-FB0ADE066B10}"/>
               </a:ext>
             </a:extLst>
           </p:cNvPr>
@@ -4852,7 +6261,7 @@
           <a:p>
             <a:r>
               <a:rPr lang="en-US" dirty="0"/>
-              <a:t>Why?</a:t>
+              <a:t>Ok, Time to Program…</a:t>
             </a:r>
           </a:p>
         </p:txBody>
@@ -4862,7 +6271,7 @@
           <p:cNvPr id="3" name="Content Placeholder 2">
             <a:extLst>
               <a:ext uri="{FF2B5EF4-FFF2-40B4-BE49-F238E27FC236}">
-                <a16:creationId xmlns:a16="http://schemas.microsoft.com/office/drawing/2014/main" id="{6A60F804-316D-D517-5DA0-B955461BD26A}"/>
+                <a16:creationId xmlns:a16="http://schemas.microsoft.com/office/drawing/2014/main" id="{A73C1275-6D2C-6248-9ACF-5E9A3C035E17}"/>
               </a:ext>
             </a:extLst>
           </p:cNvPr>
@@ -4873,29 +6282,21 @@
             <p:ph idx="1"/>
           </p:nvPr>
         </p:nvSpPr>
-        <p:spPr>
-          <a:xfrm>
-            <a:off x="1451579" y="2015732"/>
-            <a:ext cx="9603275" cy="4037749"/>
-          </a:xfrm>
-        </p:spPr>
+        <p:spPr/>
         <p:txBody>
           <a:bodyPr/>
           <a:lstStyle/>
           <a:p>
-            <a:r>
-              <a:rPr lang="en-US" dirty="0"/>
-              <a:t>We explore data to understand it and to know what needs to be done to get it ready. </a:t>
-            </a:r>
+            <a:endParaRPr lang="en-US"/>
           </a:p>
         </p:txBody>
       </p:sp>
       <p:pic>
         <p:nvPicPr>
-          <p:cNvPr id="2050" name="Picture 2" descr="What is Data Exploration? A Comprehensive Guide | eduCBA">
+          <p:cNvPr id="2050" name="Picture 2" descr="How realistic are these 21 coders from movies and TV shows? - SD Times">
             <a:extLst>
               <a:ext uri="{FF2B5EF4-FFF2-40B4-BE49-F238E27FC236}">
-                <a16:creationId xmlns:a16="http://schemas.microsoft.com/office/drawing/2014/main" id="{257E1A77-4853-F1D7-A30F-75CC23D03F06}"/>
+                <a16:creationId xmlns:a16="http://schemas.microsoft.com/office/drawing/2014/main" id="{4C2DEB73-60BC-5249-8D22-F335A341B4FF}"/>
               </a:ext>
             </a:extLst>
           </p:cNvPr>
@@ -4904,7 +6305,7 @@
           </p:cNvPicPr>
           <p:nvPr/>
         </p:nvPicPr>
-        <p:blipFill rotWithShape="1">
+        <p:blipFill>
           <a:blip r:embed="rId2">
             <a:extLst>
               <a:ext uri="{28A0092B-C50C-407E-A947-70E740481C1C}">
@@ -4912,13 +6313,15 @@
               </a:ext>
             </a:extLst>
           </a:blip>
-          <a:srcRect l="14088" r="9327" b="3603"/>
-          <a:stretch/>
+          <a:srcRect/>
+          <a:stretch>
+            <a:fillRect/>
+          </a:stretch>
         </p:blipFill>
         <p:spPr bwMode="auto">
           <a:xfrm>
-            <a:off x="3091475" y="2508422"/>
-            <a:ext cx="6009050" cy="4254460"/>
+            <a:off x="1937919" y="1623407"/>
+            <a:ext cx="8316161" cy="4672115"/>
           </a:xfrm>
           <a:prstGeom prst="rect">
             <a:avLst/>
@@ -4938,375 +6341,7 @@
     </p:spTree>
     <p:extLst>
       <p:ext uri="{BB962C8B-B14F-4D97-AF65-F5344CB8AC3E}">
-        <p14:creationId xmlns:p14="http://schemas.microsoft.com/office/powerpoint/2010/main" val="2612054075"/>
-      </p:ext>
-    </p:extLst>
-  </p:cSld>
-  <p:clrMapOvr>
-    <a:masterClrMapping/>
-  </p:clrMapOvr>
-</p:sld>
-</file>
-
-<file path=ppt/slides/slide18.xml><?xml version="1.0" encoding="utf-8"?>
-<p:sld xmlns:a="http://schemas.openxmlformats.org/drawingml/2006/main" xmlns:r="http://schemas.openxmlformats.org/officeDocument/2006/relationships" xmlns:p="http://schemas.openxmlformats.org/presentationml/2006/main">
-  <p:cSld>
-    <p:spTree>
-      <p:nvGrpSpPr>
-        <p:cNvPr id="1" name=""/>
-        <p:cNvGrpSpPr/>
-        <p:nvPr/>
-      </p:nvGrpSpPr>
-      <p:grpSpPr>
-        <a:xfrm>
-          <a:off x="0" y="0"/>
-          <a:ext cx="0" cy="0"/>
-          <a:chOff x="0" y="0"/>
-          <a:chExt cx="0" cy="0"/>
-        </a:xfrm>
-      </p:grpSpPr>
-      <p:sp>
-        <p:nvSpPr>
-          <p:cNvPr id="2" name="Title 1">
-            <a:extLst>
-              <a:ext uri="{FF2B5EF4-FFF2-40B4-BE49-F238E27FC236}">
-                <a16:creationId xmlns:a16="http://schemas.microsoft.com/office/drawing/2014/main" id="{CEFA8A87-7107-3D1B-B0B1-A89C2B8A9453}"/>
-              </a:ext>
-            </a:extLst>
-          </p:cNvPr>
-          <p:cNvSpPr>
-            <a:spLocks noGrp="1"/>
-          </p:cNvSpPr>
-          <p:nvPr>
-            <p:ph type="title"/>
-          </p:nvPr>
-        </p:nvSpPr>
-        <p:spPr/>
-        <p:txBody>
-          <a:bodyPr/>
-          <a:lstStyle/>
-          <a:p>
-            <a:r>
-              <a:rPr lang="en-US" dirty="0"/>
-              <a:t>Data Cleanup</a:t>
-            </a:r>
-          </a:p>
-        </p:txBody>
-      </p:sp>
-      <p:sp>
-        <p:nvSpPr>
-          <p:cNvPr id="3" name="Content Placeholder 2">
-            <a:extLst>
-              <a:ext uri="{FF2B5EF4-FFF2-40B4-BE49-F238E27FC236}">
-                <a16:creationId xmlns:a16="http://schemas.microsoft.com/office/drawing/2014/main" id="{26213D9C-4D45-E829-3565-6DC3C638E857}"/>
-              </a:ext>
-            </a:extLst>
-          </p:cNvPr>
-          <p:cNvSpPr>
-            <a:spLocks noGrp="1"/>
-          </p:cNvSpPr>
-          <p:nvPr>
-            <p:ph idx="1"/>
-          </p:nvPr>
-        </p:nvSpPr>
-        <p:spPr>
-          <a:xfrm>
-            <a:off x="1451579" y="2015732"/>
-            <a:ext cx="9603275" cy="4037749"/>
-          </a:xfrm>
-        </p:spPr>
-        <p:txBody>
-          <a:bodyPr/>
-          <a:lstStyle/>
-          <a:p>
-            <a:r>
-              <a:rPr lang="en-US" dirty="0"/>
-              <a:t>One big reason to explore data is to know what we need to do to clean it. </a:t>
-            </a:r>
-          </a:p>
-          <a:p>
-            <a:r>
-              <a:rPr lang="en-US" dirty="0"/>
-              <a:t>Cleaning data is needed, but also open ended. </a:t>
-            </a:r>
-          </a:p>
-          <a:p>
-            <a:pPr lvl="1"/>
-            <a:r>
-              <a:rPr lang="en-US" dirty="0"/>
-              <a:t>Remove large outliers, or at least check that we should keep them. </a:t>
-            </a:r>
-          </a:p>
-          <a:p>
-            <a:pPr lvl="1"/>
-            <a:r>
-              <a:rPr lang="en-US" dirty="0"/>
-              <a:t>Fix any errors – stray values, mistakes, </a:t>
-            </a:r>
-            <a:r>
-              <a:rPr lang="en-US" dirty="0" err="1"/>
-              <a:t>etc</a:t>
-            </a:r>
-            <a:r>
-              <a:rPr lang="en-US" dirty="0"/>
-              <a:t>…</a:t>
-            </a:r>
-          </a:p>
-          <a:p>
-            <a:pPr lvl="1"/>
-            <a:r>
-              <a:rPr lang="en-US" dirty="0"/>
-              <a:t>Convert and correct types – we want numbers to be numbers, dates as dates, </a:t>
-            </a:r>
-            <a:r>
-              <a:rPr lang="en-US" dirty="0" err="1"/>
-              <a:t>etc</a:t>
-            </a:r>
-            <a:r>
-              <a:rPr lang="en-US" dirty="0"/>
-              <a:t>…</a:t>
-            </a:r>
-          </a:p>
-          <a:p>
-            <a:pPr lvl="1"/>
-            <a:r>
-              <a:rPr lang="en-US" dirty="0"/>
-              <a:t>More analytics-focused cleanup – relating to values and distributions. </a:t>
-            </a:r>
-          </a:p>
-          <a:p>
-            <a:r>
-              <a:rPr lang="en-US" dirty="0"/>
-              <a:t>Before we do analysis we need to cleanup the data. </a:t>
-            </a:r>
-          </a:p>
-          <a:p>
-            <a:r>
-              <a:rPr lang="en-US" dirty="0"/>
-              <a:t>This cleanup depends on the data, our goal, and our understanding. </a:t>
-            </a:r>
-          </a:p>
-        </p:txBody>
-      </p:sp>
-    </p:spTree>
-    <p:extLst>
-      <p:ext uri="{BB962C8B-B14F-4D97-AF65-F5344CB8AC3E}">
-        <p14:creationId xmlns:p14="http://schemas.microsoft.com/office/powerpoint/2010/main" val="1487300116"/>
-      </p:ext>
-    </p:extLst>
-  </p:cSld>
-  <p:clrMapOvr>
-    <a:masterClrMapping/>
-  </p:clrMapOvr>
-</p:sld>
-</file>
-
-<file path=ppt/slides/slide19.xml><?xml version="1.0" encoding="utf-8"?>
-<p:sld xmlns:a="http://schemas.openxmlformats.org/drawingml/2006/main" xmlns:r="http://schemas.openxmlformats.org/officeDocument/2006/relationships" xmlns:p="http://schemas.openxmlformats.org/presentationml/2006/main">
-  <p:cSld>
-    <p:spTree>
-      <p:nvGrpSpPr>
-        <p:cNvPr id="1" name=""/>
-        <p:cNvGrpSpPr/>
-        <p:nvPr/>
-      </p:nvGrpSpPr>
-      <p:grpSpPr>
-        <a:xfrm>
-          <a:off x="0" y="0"/>
-          <a:ext cx="0" cy="0"/>
-          <a:chOff x="0" y="0"/>
-          <a:chExt cx="0" cy="0"/>
-        </a:xfrm>
-      </p:grpSpPr>
-      <p:sp>
-        <p:nvSpPr>
-          <p:cNvPr id="2" name="Title 1">
-            <a:extLst>
-              <a:ext uri="{FF2B5EF4-FFF2-40B4-BE49-F238E27FC236}">
-                <a16:creationId xmlns:a16="http://schemas.microsoft.com/office/drawing/2014/main" id="{138DAAF2-2EEB-894A-966F-FB0ADE066B10}"/>
-              </a:ext>
-            </a:extLst>
-          </p:cNvPr>
-          <p:cNvSpPr>
-            <a:spLocks noGrp="1"/>
-          </p:cNvSpPr>
-          <p:nvPr>
-            <p:ph type="title"/>
-          </p:nvPr>
-        </p:nvSpPr>
-        <p:spPr/>
-        <p:txBody>
-          <a:bodyPr/>
-          <a:lstStyle/>
-          <a:p>
-            <a:r>
-              <a:rPr lang="en-US" dirty="0"/>
-              <a:t>Ok, Time to Program…</a:t>
-            </a:r>
-          </a:p>
-        </p:txBody>
-      </p:sp>
-      <p:sp>
-        <p:nvSpPr>
-          <p:cNvPr id="3" name="Content Placeholder 2">
-            <a:extLst>
-              <a:ext uri="{FF2B5EF4-FFF2-40B4-BE49-F238E27FC236}">
-                <a16:creationId xmlns:a16="http://schemas.microsoft.com/office/drawing/2014/main" id="{A73C1275-6D2C-6248-9ACF-5E9A3C035E17}"/>
-              </a:ext>
-            </a:extLst>
-          </p:cNvPr>
-          <p:cNvSpPr>
-            <a:spLocks noGrp="1"/>
-          </p:cNvSpPr>
-          <p:nvPr>
-            <p:ph idx="1"/>
-          </p:nvPr>
-        </p:nvSpPr>
-        <p:spPr/>
-        <p:txBody>
-          <a:bodyPr/>
-          <a:lstStyle/>
-          <a:p>
-            <a:endParaRPr lang="en-US"/>
-          </a:p>
-        </p:txBody>
-      </p:sp>
-      <p:pic>
-        <p:nvPicPr>
-          <p:cNvPr id="2050" name="Picture 2" descr="How realistic are these 21 coders from movies and TV shows? - SD Times">
-            <a:extLst>
-              <a:ext uri="{FF2B5EF4-FFF2-40B4-BE49-F238E27FC236}">
-                <a16:creationId xmlns:a16="http://schemas.microsoft.com/office/drawing/2014/main" id="{4C2DEB73-60BC-5249-8D22-F335A341B4FF}"/>
-              </a:ext>
-            </a:extLst>
-          </p:cNvPr>
-          <p:cNvPicPr>
-            <a:picLocks noChangeAspect="1" noChangeArrowheads="1"/>
-          </p:cNvPicPr>
-          <p:nvPr/>
-        </p:nvPicPr>
-        <p:blipFill>
-          <a:blip r:embed="rId2">
-            <a:extLst>
-              <a:ext uri="{28A0092B-C50C-407E-A947-70E740481C1C}">
-                <a14:useLocalDpi xmlns:a14="http://schemas.microsoft.com/office/drawing/2010/main" val="0"/>
-              </a:ext>
-            </a:extLst>
-          </a:blip>
-          <a:srcRect/>
-          <a:stretch>
-            <a:fillRect/>
-          </a:stretch>
-        </p:blipFill>
-        <p:spPr bwMode="auto">
-          <a:xfrm>
-            <a:off x="1937919" y="1623407"/>
-            <a:ext cx="8316161" cy="4672115"/>
-          </a:xfrm>
-          <a:prstGeom prst="rect">
-            <a:avLst/>
-          </a:prstGeom>
-          <a:noFill/>
-          <a:extLst>
-            <a:ext uri="{909E8E84-426E-40DD-AFC4-6F175D3DCCD1}">
-              <a14:hiddenFill xmlns:a14="http://schemas.microsoft.com/office/drawing/2010/main">
-                <a:solidFill>
-                  <a:srgbClr val="FFFFFF"/>
-                </a:solidFill>
-              </a14:hiddenFill>
-            </a:ext>
-          </a:extLst>
-        </p:spPr>
-      </p:pic>
-    </p:spTree>
-    <p:extLst>
-      <p:ext uri="{BB962C8B-B14F-4D97-AF65-F5344CB8AC3E}">
         <p14:creationId xmlns:p14="http://schemas.microsoft.com/office/powerpoint/2010/main" val="1280559544"/>
-      </p:ext>
-    </p:extLst>
-  </p:cSld>
-  <p:clrMapOvr>
-    <a:masterClrMapping/>
-  </p:clrMapOvr>
-</p:sld>
-</file>
-
-<file path=ppt/slides/slide2.xml><?xml version="1.0" encoding="utf-8"?>
-<p:sld xmlns:a="http://schemas.openxmlformats.org/drawingml/2006/main" xmlns:r="http://schemas.openxmlformats.org/officeDocument/2006/relationships" xmlns:p="http://schemas.openxmlformats.org/presentationml/2006/main">
-  <p:cSld>
-    <p:spTree>
-      <p:nvGrpSpPr>
-        <p:cNvPr id="1" name=""/>
-        <p:cNvGrpSpPr/>
-        <p:nvPr/>
-      </p:nvGrpSpPr>
-      <p:grpSpPr>
-        <a:xfrm>
-          <a:off x="0" y="0"/>
-          <a:ext cx="0" cy="0"/>
-          <a:chOff x="0" y="0"/>
-          <a:chExt cx="0" cy="0"/>
-        </a:xfrm>
-      </p:grpSpPr>
-      <p:sp>
-        <p:nvSpPr>
-          <p:cNvPr id="2" name="Title 1">
-            <a:extLst>
-              <a:ext uri="{FF2B5EF4-FFF2-40B4-BE49-F238E27FC236}">
-                <a16:creationId xmlns:a16="http://schemas.microsoft.com/office/drawing/2014/main" id="{909951EA-A403-4C52-42D9-85332BB51FB4}"/>
-              </a:ext>
-            </a:extLst>
-          </p:cNvPr>
-          <p:cNvSpPr>
-            <a:spLocks noGrp="1"/>
-          </p:cNvSpPr>
-          <p:nvPr>
-            <p:ph type="ctrTitle"/>
-          </p:nvPr>
-        </p:nvSpPr>
-        <p:spPr/>
-        <p:txBody>
-          <a:bodyPr>
-            <a:normAutofit/>
-          </a:bodyPr>
-          <a:lstStyle/>
-          <a:p>
-            <a:r>
-              <a:rPr lang="en-US" dirty="0"/>
-              <a:t>Basic Descriptive Stats</a:t>
-            </a:r>
-          </a:p>
-        </p:txBody>
-      </p:sp>
-      <p:sp>
-        <p:nvSpPr>
-          <p:cNvPr id="3" name="Subtitle 2">
-            <a:extLst>
-              <a:ext uri="{FF2B5EF4-FFF2-40B4-BE49-F238E27FC236}">
-                <a16:creationId xmlns:a16="http://schemas.microsoft.com/office/drawing/2014/main" id="{E8E05441-E8DA-B65A-0CE4-EA002051F1FC}"/>
-              </a:ext>
-            </a:extLst>
-          </p:cNvPr>
-          <p:cNvSpPr>
-            <a:spLocks noGrp="1"/>
-          </p:cNvSpPr>
-          <p:nvPr>
-            <p:ph type="subTitle" idx="1"/>
-          </p:nvPr>
-        </p:nvSpPr>
-        <p:spPr/>
-        <p:txBody>
-          <a:bodyPr/>
-          <a:lstStyle/>
-          <a:p>
-            <a:endParaRPr lang="en-US"/>
-          </a:p>
-        </p:txBody>
-      </p:sp>
-    </p:spTree>
-    <p:extLst>
-      <p:ext uri="{BB962C8B-B14F-4D97-AF65-F5344CB8AC3E}">
-        <p14:creationId xmlns:p14="http://schemas.microsoft.com/office/powerpoint/2010/main" val="757335135"/>
       </p:ext>
     </p:extLst>
   </p:cSld>
@@ -5630,10 +6665,10 @@
       </p:grpSpPr>
       <p:sp>
         <p:nvSpPr>
-          <p:cNvPr id="2" name="Title 1">
+          <p:cNvPr id="4" name="Title 3">
             <a:extLst>
               <a:ext uri="{FF2B5EF4-FFF2-40B4-BE49-F238E27FC236}">
-                <a16:creationId xmlns:a16="http://schemas.microsoft.com/office/drawing/2014/main" id="{250424F3-DA93-28F5-CC13-7C6A9AC908EC}"/>
+                <a16:creationId xmlns:a16="http://schemas.microsoft.com/office/drawing/2014/main" id="{8E3908E8-A79E-51E8-D26C-F581119BB517}"/>
               </a:ext>
             </a:extLst>
           </p:cNvPr>
@@ -5651,17 +6686,17 @@
           <a:p>
             <a:r>
               <a:rPr lang="en-US" dirty="0"/>
-              <a:t>Range</a:t>
-            </a:r>
-          </a:p>
-        </p:txBody>
-      </p:sp>
-      <p:sp>
-        <p:nvSpPr>
-          <p:cNvPr id="3" name="Content Placeholder 2">
+              <a:t>Visualizing Statistics</a:t>
+            </a:r>
+          </a:p>
+        </p:txBody>
+      </p:sp>
+      <p:sp>
+        <p:nvSpPr>
+          <p:cNvPr id="5" name="Content Placeholder 4">
             <a:extLst>
               <a:ext uri="{FF2B5EF4-FFF2-40B4-BE49-F238E27FC236}">
-                <a16:creationId xmlns:a16="http://schemas.microsoft.com/office/drawing/2014/main" id="{8D5B0446-5AEF-8D25-0E01-8226A8F71DB2}"/>
+                <a16:creationId xmlns:a16="http://schemas.microsoft.com/office/drawing/2014/main" id="{AAAFCB48-C77B-0ECF-2C1A-6AAD7B28A5F5}"/>
               </a:ext>
             </a:extLst>
           </p:cNvPr>
@@ -5679,25 +6714,13 @@
           <a:p>
             <a:r>
               <a:rPr lang="en-US" dirty="0"/>
-              <a:t>Minimum – smallest value. </a:t>
-            </a:r>
-          </a:p>
-          <a:p>
-            <a:r>
-              <a:rPr lang="en-US" dirty="0"/>
-              <a:t>Maximum – largest value. </a:t>
-            </a:r>
-          </a:p>
-          <a:p>
-            <a:r>
-              <a:rPr lang="en-US" dirty="0"/>
-              <a:t>Range – distance between the minimum and the maximum values. </a:t>
-            </a:r>
-          </a:p>
-          <a:p>
-            <a:r>
-              <a:rPr lang="en-US" dirty="0"/>
-              <a:t>Count (N) – number of records in dataset. </a:t>
+              <a:t>We can calculate the statistics we need to look at. </a:t>
+            </a:r>
+          </a:p>
+          <a:p>
+            <a:r>
+              <a:rPr lang="en-US" dirty="0"/>
+              <a:t>We can also visualize these statistics to help understand them. </a:t>
             </a:r>
           </a:p>
         </p:txBody>
@@ -5705,7 +6728,7 @@
     </p:spTree>
     <p:extLst>
       <p:ext uri="{BB962C8B-B14F-4D97-AF65-F5344CB8AC3E}">
-        <p14:creationId xmlns:p14="http://schemas.microsoft.com/office/powerpoint/2010/main" val="2962681320"/>
+        <p14:creationId xmlns:p14="http://schemas.microsoft.com/office/powerpoint/2010/main" val="1821730510"/>
       </p:ext>
     </p:extLst>
   </p:cSld>
@@ -5718,6 +6741,30 @@
 <file path=ppt/slides/slide6.xml><?xml version="1.0" encoding="utf-8"?>
 <p:sld xmlns:a="http://schemas.openxmlformats.org/drawingml/2006/main" xmlns:r="http://schemas.openxmlformats.org/officeDocument/2006/relationships" xmlns:p="http://schemas.openxmlformats.org/presentationml/2006/main">
   <p:cSld>
+    <p:bg>
+      <p:bgPr>
+        <a:gradFill rotWithShape="1">
+          <a:gsLst>
+            <a:gs pos="0">
+              <a:schemeClr val="bg2">
+                <a:tint val="94000"/>
+                <a:satMod val="80000"/>
+                <a:lumMod val="106000"/>
+              </a:schemeClr>
+            </a:gs>
+            <a:gs pos="100000">
+              <a:schemeClr val="bg2">
+                <a:shade val="80000"/>
+              </a:schemeClr>
+            </a:gs>
+          </a:gsLst>
+          <a:path path="circle">
+            <a:fillToRect l="43000" r="43000" b="100000"/>
+          </a:path>
+        </a:gradFill>
+        <a:effectLst/>
+      </p:bgPr>
+    </p:bg>
     <p:spTree>
       <p:nvGrpSpPr>
         <p:cNvPr id="1" name=""/>
@@ -5737,7 +6784,7 @@
           <p:cNvPr id="2" name="Title 1">
             <a:extLst>
               <a:ext uri="{FF2B5EF4-FFF2-40B4-BE49-F238E27FC236}">
-                <a16:creationId xmlns:a16="http://schemas.microsoft.com/office/drawing/2014/main" id="{74D48842-51F9-A04C-3E51-4C188C16B614}"/>
+                <a16:creationId xmlns:a16="http://schemas.microsoft.com/office/drawing/2014/main" id="{932D7D5B-A47B-7134-F270-BC8FC9211DC3}"/>
               </a:ext>
             </a:extLst>
           </p:cNvPr>
@@ -5748,14 +6795,21 @@
             <p:ph type="title"/>
           </p:nvPr>
         </p:nvSpPr>
-        <p:spPr/>
-        <p:txBody>
-          <a:bodyPr/>
-          <a:lstStyle/>
-          <a:p>
-            <a:r>
-              <a:rPr lang="en-US" dirty="0"/>
-              <a:t>Average(s) – Measures of Central Tendency</a:t>
+        <p:spPr>
+          <a:xfrm>
+            <a:off x="1451579" y="804519"/>
+            <a:ext cx="9603275" cy="1049235"/>
+          </a:xfrm>
+        </p:spPr>
+        <p:txBody>
+          <a:bodyPr>
+            <a:normAutofit/>
+          </a:bodyPr>
+          <a:lstStyle/>
+          <a:p>
+            <a:r>
+              <a:rPr lang="en-US" dirty="0"/>
+              <a:t>Histogram</a:t>
             </a:r>
           </a:p>
         </p:txBody>
@@ -5765,7 +6819,7 @@
           <p:cNvPr id="3" name="Content Placeholder 2">
             <a:extLst>
               <a:ext uri="{FF2B5EF4-FFF2-40B4-BE49-F238E27FC236}">
-                <a16:creationId xmlns:a16="http://schemas.microsoft.com/office/drawing/2014/main" id="{497D2115-BE1C-5258-5A41-CF00D104DEA0}"/>
+                <a16:creationId xmlns:a16="http://schemas.microsoft.com/office/drawing/2014/main" id="{3E541969-E2CA-10CF-845D-D3ACC7DF8DE4}"/>
               </a:ext>
             </a:extLst>
           </p:cNvPr>
@@ -5776,62 +6830,99 @@
             <p:ph idx="1"/>
           </p:nvPr>
         </p:nvSpPr>
-        <p:spPr/>
-        <p:txBody>
-          <a:bodyPr/>
-          <a:lstStyle/>
-          <a:p>
-            <a:r>
-              <a:rPr lang="en-US" dirty="0"/>
-              <a:t>We have 3 measures of average:</a:t>
+        <p:spPr>
+          <a:xfrm>
+            <a:off x="0" y="1853754"/>
+            <a:ext cx="5931243" cy="4199727"/>
+          </a:xfrm>
+        </p:spPr>
+        <p:txBody>
+          <a:bodyPr>
+            <a:normAutofit/>
+          </a:bodyPr>
+          <a:lstStyle/>
+          <a:p>
+            <a:r>
+              <a:rPr lang="en-US" dirty="0"/>
+              <a:t>A histogram is a plot to show us the stats of one variable. </a:t>
+            </a:r>
+          </a:p>
+          <a:p>
+            <a:r>
+              <a:rPr lang="en-US" dirty="0"/>
+              <a:t>It is generated by breaking a variable into “bins”, and counting the number of records in each bin. </a:t>
             </a:r>
           </a:p>
           <a:p>
             <a:pPr lvl="1"/>
             <a:r>
               <a:rPr lang="en-US" dirty="0"/>
-              <a:t>Mean – Add all values and divide by N. </a:t>
-            </a:r>
-          </a:p>
-          <a:p>
-            <a:pPr lvl="1"/>
-            <a:r>
-              <a:rPr lang="en-US" dirty="0"/>
-              <a:t>Median – The value with 50% of other values above, and %50 below. </a:t>
-            </a:r>
-          </a:p>
-          <a:p>
-            <a:pPr lvl="1"/>
-            <a:r>
-              <a:rPr lang="en-US" dirty="0"/>
-              <a:t>Mode – The most frequently occurring value. </a:t>
-            </a:r>
-          </a:p>
-          <a:p>
-            <a:r>
-              <a:rPr lang="en-US" dirty="0"/>
-              <a:t>“Average” normally means the mean, but we should be specific. </a:t>
-            </a:r>
-          </a:p>
-          <a:p>
-            <a:r>
-              <a:rPr lang="en-US" dirty="0"/>
-              <a:t>Median is very common is scenarios where there are outliers. </a:t>
-            </a:r>
-          </a:p>
-          <a:p>
-            <a:pPr lvl="1"/>
-            <a:r>
-              <a:rPr lang="en-US" dirty="0"/>
-              <a:t>Why? </a:t>
-            </a:r>
-          </a:p>
-        </p:txBody>
-      </p:sp>
+              <a:t>Binning is just grouping records into a group for each range. </a:t>
+            </a:r>
+          </a:p>
+          <a:p>
+            <a:r>
+              <a:rPr lang="en-US" dirty="0"/>
+              <a:t>The y axis is just the count of each bin. </a:t>
+            </a:r>
+          </a:p>
+          <a:p>
+            <a:r>
+              <a:rPr lang="en-US" dirty="0"/>
+              <a:t>Allows us to visualize range, estimate mean/median, and see the distribution. </a:t>
+            </a:r>
+          </a:p>
+        </p:txBody>
+      </p:sp>
+      <p:pic>
+        <p:nvPicPr>
+          <p:cNvPr id="1026" name="Picture 2" descr="Histogram | Definition, Examples, Parts, How To Plot, Types, Application">
+            <a:extLst>
+              <a:ext uri="{FF2B5EF4-FFF2-40B4-BE49-F238E27FC236}">
+                <a16:creationId xmlns:a16="http://schemas.microsoft.com/office/drawing/2014/main" id="{497F1CB1-61DD-4CC5-528B-A5B41311B362}"/>
+              </a:ext>
+            </a:extLst>
+          </p:cNvPr>
+          <p:cNvPicPr>
+            <a:picLocks noChangeAspect="1" noChangeArrowheads="1"/>
+          </p:cNvPicPr>
+          <p:nvPr/>
+        </p:nvPicPr>
+        <p:blipFill rotWithShape="1">
+          <a:blip r:embed="rId2">
+            <a:extLst>
+              <a:ext uri="{28A0092B-C50C-407E-A947-70E740481C1C}">
+                <a14:useLocalDpi xmlns:a14="http://schemas.microsoft.com/office/drawing/2010/main" val="0"/>
+              </a:ext>
+            </a:extLst>
+          </a:blip>
+          <a:srcRect t="6059" r="25319" b="6962"/>
+          <a:stretch/>
+        </p:blipFill>
+        <p:spPr bwMode="auto">
+          <a:xfrm>
+            <a:off x="5931243" y="1853754"/>
+            <a:ext cx="6260757" cy="5032911"/>
+          </a:xfrm>
+          <a:prstGeom prst="rect">
+            <a:avLst/>
+          </a:prstGeom>
+          <a:noFill/>
+          <a:extLst>
+            <a:ext uri="{909E8E84-426E-40DD-AFC4-6F175D3DCCD1}">
+              <a14:hiddenFill xmlns:a14="http://schemas.microsoft.com/office/drawing/2010/main">
+                <a:solidFill>
+                  <a:srgbClr val="FFFFFF"/>
+                </a:solidFill>
+              </a14:hiddenFill>
+            </a:ext>
+          </a:extLst>
+        </p:spPr>
+      </p:pic>
     </p:spTree>
     <p:extLst>
       <p:ext uri="{BB962C8B-B14F-4D97-AF65-F5344CB8AC3E}">
-        <p14:creationId xmlns:p14="http://schemas.microsoft.com/office/powerpoint/2010/main" val="940878118"/>
+        <p14:creationId xmlns:p14="http://schemas.microsoft.com/office/powerpoint/2010/main" val="3087505451"/>
       </p:ext>
     </p:extLst>
   </p:cSld>
@@ -5844,6 +6935,30 @@
 <file path=ppt/slides/slide7.xml><?xml version="1.0" encoding="utf-8"?>
 <p:sld xmlns:a="http://schemas.openxmlformats.org/drawingml/2006/main" xmlns:r="http://schemas.openxmlformats.org/officeDocument/2006/relationships" xmlns:p="http://schemas.openxmlformats.org/presentationml/2006/main">
   <p:cSld>
+    <p:bg>
+      <p:bgPr>
+        <a:gradFill rotWithShape="1">
+          <a:gsLst>
+            <a:gs pos="0">
+              <a:schemeClr val="bg2">
+                <a:tint val="94000"/>
+                <a:satMod val="80000"/>
+                <a:lumMod val="106000"/>
+              </a:schemeClr>
+            </a:gs>
+            <a:gs pos="100000">
+              <a:schemeClr val="bg2">
+                <a:shade val="80000"/>
+              </a:schemeClr>
+            </a:gs>
+          </a:gsLst>
+          <a:path path="circle">
+            <a:fillToRect l="43000" r="43000" b="100000"/>
+          </a:path>
+        </a:gradFill>
+        <a:effectLst/>
+      </p:bgPr>
+    </p:bg>
     <p:spTree>
       <p:nvGrpSpPr>
         <p:cNvPr id="1" name=""/>
@@ -5858,12 +6973,120 @@
           <a:chExt cx="0" cy="0"/>
         </a:xfrm>
       </p:grpSpPr>
+      <p:sp useBgFill="1">
+        <p:nvSpPr>
+          <p:cNvPr id="7177" name="Rectangle 7176">
+            <a:extLst>
+              <a:ext uri="{FF2B5EF4-FFF2-40B4-BE49-F238E27FC236}">
+                <a16:creationId xmlns:a16="http://schemas.microsoft.com/office/drawing/2014/main" id="{EED2B910-B28F-4A54-B17C-8B7E5893AABB}"/>
+              </a:ext>
+              <a:ext uri="{C183D7F6-B498-43B3-948B-1728B52AA6E4}">
+                <adec:decorative xmlns:adec="http://schemas.microsoft.com/office/drawing/2017/decorative" val="1"/>
+              </a:ext>
+            </a:extLst>
+          </p:cNvPr>
+          <p:cNvSpPr>
+            <a:spLocks noGrp="1" noRot="1" noChangeAspect="1" noMove="1" noResize="1" noEditPoints="1" noAdjustHandles="1" noChangeArrowheads="1" noChangeShapeType="1" noTextEdit="1"/>
+          </p:cNvSpPr>
+          <p:nvPr>
+            <p:extLst>
+              <p:ext uri="{386F3935-93C4-4BCD-93E2-E3B085C9AB24}">
+                <p16:designElem xmlns:p16="http://schemas.microsoft.com/office/powerpoint/2015/main" val="1"/>
+              </p:ext>
+            </p:extLst>
+          </p:nvPr>
+        </p:nvSpPr>
+        <p:spPr>
+          <a:xfrm>
+            <a:off x="2" y="0"/>
+            <a:ext cx="12191695" cy="6858000"/>
+          </a:xfrm>
+          <a:prstGeom prst="rect">
+            <a:avLst/>
+          </a:prstGeom>
+          <a:ln>
+            <a:noFill/>
+          </a:ln>
+        </p:spPr>
+        <p:style>
+          <a:lnRef idx="2">
+            <a:schemeClr val="accent1">
+              <a:shade val="50000"/>
+            </a:schemeClr>
+          </a:lnRef>
+          <a:fillRef idx="1">
+            <a:schemeClr val="accent1"/>
+          </a:fillRef>
+          <a:effectRef idx="0">
+            <a:schemeClr val="accent1"/>
+          </a:effectRef>
+          <a:fontRef idx="minor">
+            <a:schemeClr val="lt1"/>
+          </a:fontRef>
+        </p:style>
+        <p:txBody>
+          <a:bodyPr rtlCol="0" anchor="ctr"/>
+          <a:lstStyle/>
+          <a:p>
+            <a:pPr algn="ctr"/>
+            <a:endParaRPr lang="en-US"/>
+          </a:p>
+        </p:txBody>
+      </p:sp>
+      <p:cxnSp>
+        <p:nvCxnSpPr>
+          <p:cNvPr id="7179" name="Straight Connector 7178">
+            <a:extLst>
+              <a:ext uri="{FF2B5EF4-FFF2-40B4-BE49-F238E27FC236}">
+                <a16:creationId xmlns:a16="http://schemas.microsoft.com/office/drawing/2014/main" id="{C545F118-1DF8-46A9-8A77-B3D9422CEA4A}"/>
+              </a:ext>
+              <a:ext uri="{C183D7F6-B498-43B3-948B-1728B52AA6E4}">
+                <adec:decorative xmlns:adec="http://schemas.microsoft.com/office/drawing/2017/decorative" val="1"/>
+              </a:ext>
+            </a:extLst>
+          </p:cNvPr>
+          <p:cNvCxnSpPr>
+            <a:cxnSpLocks noGrp="1" noRot="1" noChangeAspect="1" noMove="1" noResize="1" noEditPoints="1" noAdjustHandles="1" noChangeArrowheads="1" noChangeShapeType="1"/>
+          </p:cNvCxnSpPr>
+          <p:nvPr>
+            <p:extLst>
+              <p:ext uri="{386F3935-93C4-4BCD-93E2-E3B085C9AB24}">
+                <p16:designElem xmlns:p16="http://schemas.microsoft.com/office/powerpoint/2015/main" val="1"/>
+              </p:ext>
+            </p:extLst>
+          </p:nvPr>
+        </p:nvCxnSpPr>
+        <p:spPr>
+          <a:xfrm>
+            <a:off x="5198775" y="1847088"/>
+            <a:ext cx="5548039" cy="0"/>
+          </a:xfrm>
+          <a:prstGeom prst="line">
+            <a:avLst/>
+          </a:prstGeom>
+          <a:ln w="31750"/>
+        </p:spPr>
+        <p:style>
+          <a:lnRef idx="3">
+            <a:schemeClr val="accent1"/>
+          </a:lnRef>
+          <a:fillRef idx="0">
+            <a:schemeClr val="accent1"/>
+          </a:fillRef>
+          <a:effectRef idx="2">
+            <a:schemeClr val="accent1"/>
+          </a:effectRef>
+          <a:fontRef idx="minor">
+            <a:schemeClr val="tx1"/>
+          </a:fontRef>
+        </p:style>
+      </p:cxnSp>
       <p:sp>
         <p:nvSpPr>
           <p:cNvPr id="2" name="Title 1">
             <a:extLst>
               <a:ext uri="{FF2B5EF4-FFF2-40B4-BE49-F238E27FC236}">
-                <a16:creationId xmlns:a16="http://schemas.microsoft.com/office/drawing/2014/main" id="{9EF6B756-EABC-9CE1-4AA2-61C567E96687}"/>
+                <a16:creationId xmlns:a16="http://schemas.microsoft.com/office/drawing/2014/main" id="{4F3298CD-BF5C-9A2B-127E-09110CDFAA48}"/>
               </a:ext>
             </a:extLst>
           </p:cNvPr>
@@ -5874,24 +7097,197 @@
             <p:ph type="title"/>
           </p:nvPr>
         </p:nvSpPr>
-        <p:spPr/>
-        <p:txBody>
-          <a:bodyPr/>
-          <a:lstStyle/>
-          <a:p>
-            <a:r>
-              <a:rPr lang="en-US" dirty="0"/>
-              <a:t>Measures of Dispersion</a:t>
-            </a:r>
-          </a:p>
-        </p:txBody>
-      </p:sp>
+        <p:spPr>
+          <a:xfrm>
+            <a:off x="5196457" y="804519"/>
+            <a:ext cx="5550357" cy="1049235"/>
+          </a:xfrm>
+        </p:spPr>
+        <p:txBody>
+          <a:bodyPr>
+            <a:normAutofit/>
+          </a:bodyPr>
+          <a:lstStyle/>
+          <a:p>
+            <a:r>
+              <a:rPr lang="en-US" dirty="0"/>
+              <a:t>Viewing Distributions</a:t>
+            </a:r>
+          </a:p>
+        </p:txBody>
+      </p:sp>
+      <p:sp>
+        <p:nvSpPr>
+          <p:cNvPr id="7181" name="Rectangle 7180">
+            <a:extLst>
+              <a:ext uri="{FF2B5EF4-FFF2-40B4-BE49-F238E27FC236}">
+                <a16:creationId xmlns:a16="http://schemas.microsoft.com/office/drawing/2014/main" id="{7CAB7D27-148D-4082-B160-72FAD580D663}"/>
+              </a:ext>
+              <a:ext uri="{C183D7F6-B498-43B3-948B-1728B52AA6E4}">
+                <adec:decorative xmlns:adec="http://schemas.microsoft.com/office/drawing/2017/decorative" val="1"/>
+              </a:ext>
+            </a:extLst>
+          </p:cNvPr>
+          <p:cNvSpPr>
+            <a:spLocks noGrp="1" noRot="1" noChangeAspect="1" noMove="1" noResize="1" noEditPoints="1" noAdjustHandles="1" noChangeArrowheads="1" noChangeShapeType="1" noTextEdit="1"/>
+          </p:cNvSpPr>
+          <p:nvPr>
+            <p:extLst>
+              <p:ext uri="{386F3935-93C4-4BCD-93E2-E3B085C9AB24}">
+                <p16:designElem xmlns:p16="http://schemas.microsoft.com/office/powerpoint/2015/main" val="1"/>
+              </p:ext>
+            </p:extLst>
+          </p:nvPr>
+        </p:nvSpPr>
+        <p:spPr>
+          <a:xfrm>
+            <a:off x="0" y="2019476"/>
+            <a:ext cx="12192000" cy="4105941"/>
+          </a:xfrm>
+          <a:prstGeom prst="rect">
+            <a:avLst/>
+          </a:prstGeom>
+          <a:gradFill flip="none" rotWithShape="1">
+            <a:gsLst>
+              <a:gs pos="0">
+                <a:schemeClr val="bg2">
+                  <a:alpha val="0"/>
+                </a:schemeClr>
+              </a:gs>
+              <a:gs pos="100000">
+                <a:schemeClr val="bg2"/>
+              </a:gs>
+            </a:gsLst>
+            <a:lin ang="5400000" scaled="0"/>
+            <a:tileRect/>
+          </a:gradFill>
+          <a:ln>
+            <a:noFill/>
+          </a:ln>
+        </p:spPr>
+        <p:style>
+          <a:lnRef idx="2">
+            <a:schemeClr val="accent1">
+              <a:shade val="50000"/>
+            </a:schemeClr>
+          </a:lnRef>
+          <a:fillRef idx="1">
+            <a:schemeClr val="accent1"/>
+          </a:fillRef>
+          <a:effectRef idx="0">
+            <a:schemeClr val="accent1"/>
+          </a:effectRef>
+          <a:fontRef idx="minor">
+            <a:schemeClr val="lt1"/>
+          </a:fontRef>
+        </p:style>
+        <p:txBody>
+          <a:bodyPr rtlCol="0" anchor="ctr"/>
+          <a:lstStyle/>
+          <a:p>
+            <a:pPr lvl="0" algn="ctr"/>
+            <a:endParaRPr lang="en-US"/>
+          </a:p>
+        </p:txBody>
+      </p:sp>
+      <p:pic>
+        <p:nvPicPr>
+          <p:cNvPr id="7170" name="Picture 2" descr="Seaborn Kdeplot - A Comprehensive Guide | DigitalOcean">
+            <a:extLst>
+              <a:ext uri="{FF2B5EF4-FFF2-40B4-BE49-F238E27FC236}">
+                <a16:creationId xmlns:a16="http://schemas.microsoft.com/office/drawing/2014/main" id="{A677E2F3-6F89-1ABD-D801-59060F63A939}"/>
+              </a:ext>
+            </a:extLst>
+          </p:cNvPr>
+          <p:cNvPicPr>
+            <a:picLocks noChangeAspect="1" noChangeArrowheads="1"/>
+          </p:cNvPicPr>
+          <p:nvPr/>
+        </p:nvPicPr>
+        <p:blipFill>
+          <a:blip r:embed="rId2">
+            <a:extLst>
+              <a:ext uri="{28A0092B-C50C-407E-A947-70E740481C1C}">
+                <a14:useLocalDpi xmlns:a14="http://schemas.microsoft.com/office/drawing/2010/main" val="0"/>
+              </a:ext>
+            </a:extLst>
+          </a:blip>
+          <a:stretch>
+            <a:fillRect/>
+          </a:stretch>
+        </p:blipFill>
+        <p:spPr bwMode="auto">
+          <a:xfrm>
+            <a:off x="15667" y="-18302"/>
+            <a:ext cx="5092125" cy="3144388"/>
+          </a:xfrm>
+          <a:prstGeom prst="rect">
+            <a:avLst/>
+          </a:prstGeom>
+          <a:noFill/>
+          <a:extLst>
+            <a:ext uri="{909E8E84-426E-40DD-AFC4-6F175D3DCCD1}">
+              <a14:hiddenFill xmlns:a14="http://schemas.microsoft.com/office/drawing/2010/main">
+                <a:solidFill>
+                  <a:srgbClr val="FFFFFF"/>
+                </a:solidFill>
+              </a14:hiddenFill>
+            </a:ext>
+          </a:extLst>
+        </p:spPr>
+      </p:pic>
+      <p:pic>
+        <p:nvPicPr>
+          <p:cNvPr id="7172" name="Picture 4" descr="Chapter 7 Distributions | PSY317L &amp; PSY120R Textbook">
+            <a:extLst>
+              <a:ext uri="{FF2B5EF4-FFF2-40B4-BE49-F238E27FC236}">
+                <a16:creationId xmlns:a16="http://schemas.microsoft.com/office/drawing/2014/main" id="{0838D595-6B38-EB11-80D1-235632C8994F}"/>
+              </a:ext>
+            </a:extLst>
+          </p:cNvPr>
+          <p:cNvPicPr>
+            <a:picLocks noChangeAspect="1" noChangeArrowheads="1"/>
+          </p:cNvPicPr>
+          <p:nvPr/>
+        </p:nvPicPr>
+        <p:blipFill>
+          <a:blip r:embed="rId3">
+            <a:extLst>
+              <a:ext uri="{28A0092B-C50C-407E-A947-70E740481C1C}">
+                <a14:useLocalDpi xmlns:a14="http://schemas.microsoft.com/office/drawing/2010/main" val="0"/>
+              </a:ext>
+            </a:extLst>
+          </a:blip>
+          <a:stretch>
+            <a:fillRect/>
+          </a:stretch>
+        </p:blipFill>
+        <p:spPr bwMode="auto">
+          <a:xfrm>
+            <a:off x="528889" y="3144388"/>
+            <a:ext cx="4065679" cy="2906961"/>
+          </a:xfrm>
+          <a:prstGeom prst="rect">
+            <a:avLst/>
+          </a:prstGeom>
+          <a:noFill/>
+          <a:extLst>
+            <a:ext uri="{909E8E84-426E-40DD-AFC4-6F175D3DCCD1}">
+              <a14:hiddenFill xmlns:a14="http://schemas.microsoft.com/office/drawing/2010/main">
+                <a:solidFill>
+                  <a:srgbClr val="FFFFFF"/>
+                </a:solidFill>
+              </a14:hiddenFill>
+            </a:ext>
+          </a:extLst>
+        </p:spPr>
+      </p:pic>
       <p:sp>
         <p:nvSpPr>
           <p:cNvPr id="3" name="Content Placeholder 2">
             <a:extLst>
               <a:ext uri="{FF2B5EF4-FFF2-40B4-BE49-F238E27FC236}">
-                <a16:creationId xmlns:a16="http://schemas.microsoft.com/office/drawing/2014/main" id="{A3576BAB-84A8-7528-2AC7-3623AA7EE238}"/>
+                <a16:creationId xmlns:a16="http://schemas.microsoft.com/office/drawing/2014/main" id="{D5DD7FE7-D25A-E15C-C06F-3497DE1CD47A}"/>
               </a:ext>
             </a:extLst>
           </p:cNvPr>
@@ -5904,47 +7300,137 @@
         </p:nvSpPr>
         <p:spPr>
           <a:xfrm>
-            <a:off x="1451579" y="2015732"/>
-            <a:ext cx="9603275" cy="4037749"/>
-          </a:xfrm>
-        </p:spPr>
-        <p:txBody>
-          <a:bodyPr/>
-          <a:lstStyle/>
-          <a:p>
-            <a:r>
-              <a:rPr lang="en-US" dirty="0"/>
-              <a:t>Measures of dispersion tell us how “spread out” the values are?</a:t>
-            </a:r>
-          </a:p>
-          <a:p>
-            <a:pPr lvl="1"/>
-            <a:r>
-              <a:rPr lang="en-US" dirty="0"/>
-              <a:t>Are values tightly clustered or scattered over a wide area?</a:t>
-            </a:r>
-          </a:p>
-          <a:p>
-            <a:r>
-              <a:rPr lang="en-US" dirty="0"/>
-              <a:t>Variance – a measure of how “varied” the values are, i.e. are they clustered over a small range or distributed broadly. </a:t>
-            </a:r>
-          </a:p>
-          <a:p>
-            <a:r>
-              <a:rPr lang="en-US" dirty="0"/>
-              <a:t>Standard Deviation – the square root of variance. More commonly used for most analysis. </a:t>
-            </a:r>
-          </a:p>
-          <a:p>
-            <a:endParaRPr lang="en-US" dirty="0"/>
-          </a:p>
-        </p:txBody>
-      </p:sp>
+            <a:off x="5196457" y="2015732"/>
+            <a:ext cx="6010519" cy="4035611"/>
+          </a:xfrm>
+        </p:spPr>
+        <p:txBody>
+          <a:bodyPr>
+            <a:normAutofit/>
+          </a:bodyPr>
+          <a:lstStyle/>
+          <a:p>
+            <a:r>
+              <a:rPr lang="en-US" dirty="0"/>
+              <a:t>We normally look at the “shape” when discussing one numeric variable. </a:t>
+            </a:r>
+          </a:p>
+          <a:p>
+            <a:r>
+              <a:rPr lang="en-US" dirty="0"/>
+              <a:t>This type of density plot shows us the same data as a histogram, but smoother. </a:t>
+            </a:r>
+          </a:p>
+          <a:p>
+            <a:r>
+              <a:rPr lang="en-US" dirty="0"/>
+              <a:t>Note – the normal (bell) distribution is common, but not universal!</a:t>
+            </a:r>
+          </a:p>
+        </p:txBody>
+      </p:sp>
+      <p:pic>
+        <p:nvPicPr>
+          <p:cNvPr id="7183" name="Picture 7182">
+            <a:extLst>
+              <a:ext uri="{FF2B5EF4-FFF2-40B4-BE49-F238E27FC236}">
+                <a16:creationId xmlns:a16="http://schemas.microsoft.com/office/drawing/2014/main" id="{CD88FC76-F691-462A-BCF9-0BA4F5DE6D71}"/>
+              </a:ext>
+              <a:ext uri="{C183D7F6-B498-43B3-948B-1728B52AA6E4}">
+                <adec:decorative xmlns:adec="http://schemas.microsoft.com/office/drawing/2017/decorative" val="1"/>
+              </a:ext>
+            </a:extLst>
+          </p:cNvPr>
+          <p:cNvPicPr>
+            <a:picLocks noGrp="1" noRot="1" noChangeAspect="1" noMove="1" noResize="1" noEditPoints="1" noAdjustHandles="1" noChangeArrowheads="1" noChangeShapeType="1" noCrop="1"/>
+          </p:cNvPicPr>
+          <p:nvPr>
+            <p:extLst>
+              <p:ext uri="{386F3935-93C4-4BCD-93E2-E3B085C9AB24}">
+                <p16:designElem xmlns:p16="http://schemas.microsoft.com/office/powerpoint/2015/main" val="1"/>
+              </p:ext>
+            </p:extLst>
+          </p:nvPr>
+        </p:nvPicPr>
+        <p:blipFill rotWithShape="1">
+          <a:blip r:embed="rId4">
+            <a:extLst>
+              <a:ext uri="{28A0092B-C50C-407E-A947-70E740481C1C}">
+                <a14:useLocalDpi xmlns:a14="http://schemas.microsoft.com/office/drawing/2010/main" val="0"/>
+              </a:ext>
+            </a:extLst>
+          </a:blip>
+          <a:srcRect t="1538" b="-1538"/>
+          <a:stretch/>
+        </p:blipFill>
+        <p:spPr bwMode="black">
+          <a:xfrm>
+            <a:off x="0" y="6126480"/>
+            <a:ext cx="12192000" cy="742950"/>
+          </a:xfrm>
+          <a:prstGeom prst="rect">
+            <a:avLst/>
+          </a:prstGeom>
+        </p:spPr>
+      </p:pic>
+      <p:cxnSp>
+        <p:nvCxnSpPr>
+          <p:cNvPr id="7185" name="Straight Connector 7184">
+            <a:extLst>
+              <a:ext uri="{FF2B5EF4-FFF2-40B4-BE49-F238E27FC236}">
+                <a16:creationId xmlns:a16="http://schemas.microsoft.com/office/drawing/2014/main" id="{33204A7E-B7E9-42D0-9DC4-B82FDC8C4BCC}"/>
+              </a:ext>
+              <a:ext uri="{C183D7F6-B498-43B3-948B-1728B52AA6E4}">
+                <adec:decorative xmlns:adec="http://schemas.microsoft.com/office/drawing/2017/decorative" val="1"/>
+              </a:ext>
+            </a:extLst>
+          </p:cNvPr>
+          <p:cNvCxnSpPr>
+            <a:cxnSpLocks noGrp="1" noRot="1" noChangeAspect="1" noMove="1" noResize="1" noEditPoints="1" noAdjustHandles="1" noChangeArrowheads="1" noChangeShapeType="1"/>
+          </p:cNvCxnSpPr>
+          <p:nvPr>
+            <p:extLst>
+              <p:ext uri="{386F3935-93C4-4BCD-93E2-E3B085C9AB24}">
+                <p16:designElem xmlns:p16="http://schemas.microsoft.com/office/powerpoint/2015/main" val="1"/>
+              </p:ext>
+            </p:extLst>
+          </p:nvPr>
+        </p:nvCxnSpPr>
+        <p:spPr>
+          <a:xfrm>
+            <a:off x="0" y="6128413"/>
+            <a:ext cx="12192000" cy="0"/>
+          </a:xfrm>
+          <a:prstGeom prst="line">
+            <a:avLst/>
+          </a:prstGeom>
+          <a:ln w="12700">
+            <a:solidFill>
+              <a:srgbClr val="000001">
+                <a:alpha val="20000"/>
+              </a:srgbClr>
+            </a:solidFill>
+          </a:ln>
+        </p:spPr>
+        <p:style>
+          <a:lnRef idx="1">
+            <a:schemeClr val="accent1"/>
+          </a:lnRef>
+          <a:fillRef idx="0">
+            <a:schemeClr val="accent1"/>
+          </a:fillRef>
+          <a:effectRef idx="0">
+            <a:schemeClr val="accent1"/>
+          </a:effectRef>
+          <a:fontRef idx="minor">
+            <a:schemeClr val="tx1"/>
+          </a:fontRef>
+        </p:style>
+      </p:cxnSp>
     </p:spTree>
     <p:extLst>
       <p:ext uri="{BB962C8B-B14F-4D97-AF65-F5344CB8AC3E}">
-        <p14:creationId xmlns:p14="http://schemas.microsoft.com/office/powerpoint/2010/main" val="3022290839"/>
+        <p14:creationId xmlns:p14="http://schemas.microsoft.com/office/powerpoint/2010/main" val="4059832396"/>
       </p:ext>
     </p:extLst>
   </p:cSld>
@@ -5976,7 +7462,7 @@
           <p:cNvPr id="2" name="Title 1">
             <a:extLst>
               <a:ext uri="{FF2B5EF4-FFF2-40B4-BE49-F238E27FC236}">
-                <a16:creationId xmlns:a16="http://schemas.microsoft.com/office/drawing/2014/main" id="{2508F392-43E9-740D-5CF5-652A71ED863E}"/>
+                <a16:creationId xmlns:a16="http://schemas.microsoft.com/office/drawing/2014/main" id="{EEDAC334-1D84-91BA-D4CB-59FD96D69E81}"/>
               </a:ext>
             </a:extLst>
           </p:cNvPr>
@@ -5994,7 +7480,7 @@
           <a:p>
             <a:r>
               <a:rPr lang="en-US" dirty="0"/>
-              <a:t>Single Variable Statistics</a:t>
+              <a:t>Distributions</a:t>
             </a:r>
           </a:p>
         </p:txBody>
@@ -6004,7 +7490,7 @@
           <p:cNvPr id="3" name="Content Placeholder 2">
             <a:extLst>
               <a:ext uri="{FF2B5EF4-FFF2-40B4-BE49-F238E27FC236}">
-                <a16:creationId xmlns:a16="http://schemas.microsoft.com/office/drawing/2014/main" id="{A2D5AFE5-FCF2-8FD7-0933-B51A554BECA4}"/>
+                <a16:creationId xmlns:a16="http://schemas.microsoft.com/office/drawing/2014/main" id="{E3F5F13C-3BF3-F63C-7C6B-D31B839AD5D0}"/>
               </a:ext>
             </a:extLst>
           </p:cNvPr>
@@ -6015,50 +7501,69 @@
             <p:ph idx="1"/>
           </p:nvPr>
         </p:nvSpPr>
-        <p:spPr>
-          <a:xfrm>
-            <a:off x="1451579" y="2015732"/>
-            <a:ext cx="9603275" cy="3933806"/>
-          </a:xfrm>
-        </p:spPr>
-        <p:txBody>
-          <a:bodyPr>
-            <a:normAutofit/>
-          </a:bodyPr>
-          <a:lstStyle/>
-          <a:p>
-            <a:r>
-              <a:rPr lang="en-US" dirty="0"/>
-              <a:t>These simple stats help us describe data that we are dealing with. </a:t>
-            </a:r>
-          </a:p>
-          <a:p>
-            <a:r>
-              <a:rPr lang="en-US" dirty="0"/>
-              <a:t>When we look at distributions soon, knowing a distribution pattern and these basic statistics can allow us to describe our data very accurately with a small amount of info. </a:t>
-            </a:r>
-          </a:p>
-          <a:p>
-            <a:r>
-              <a:rPr lang="en-US" dirty="0"/>
-              <a:t>These are fundamental building blocks, we should be comfortable with each and what it means. </a:t>
-            </a:r>
-          </a:p>
-          <a:p>
-            <a:endParaRPr lang="en-US" dirty="0"/>
-          </a:p>
-          <a:p>
-            <a:r>
-              <a:rPr lang="en-US" dirty="0"/>
-              <a:t>Note: each of these stats looks at one variable at a time, we haven’t looked at all at the relationships between them. </a:t>
-            </a:r>
-          </a:p>
-        </p:txBody>
-      </p:sp>
+        <p:spPr/>
+        <p:txBody>
+          <a:bodyPr/>
+          <a:lstStyle/>
+          <a:p>
+            <a:r>
+              <a:rPr lang="en-US" dirty="0"/>
+              <a:t>These individual statistics are helping to build us up to looking at the distribution – a visual representation of the “shape” of the data’s distribution. </a:t>
+            </a:r>
+          </a:p>
+        </p:txBody>
+      </p:sp>
+      <p:pic>
+        <p:nvPicPr>
+          <p:cNvPr id="1026" name="Picture 2" descr="Development of a novel scattered triangulation laser probe with six linear  charge-coupled devices (CCDs) - ScienceDirect">
+            <a:extLst>
+              <a:ext uri="{FF2B5EF4-FFF2-40B4-BE49-F238E27FC236}">
+                <a16:creationId xmlns:a16="http://schemas.microsoft.com/office/drawing/2014/main" id="{AC5E2DA5-BA95-BAF3-8E3A-22EAB1610553}"/>
+              </a:ext>
+            </a:extLst>
+          </p:cNvPr>
+          <p:cNvPicPr>
+            <a:picLocks noChangeAspect="1" noChangeArrowheads="1"/>
+          </p:cNvPicPr>
+          <p:nvPr/>
+        </p:nvPicPr>
+        <p:blipFill>
+          <a:blip r:embed="rId2">
+            <a:extLst>
+              <a:ext uri="{28A0092B-C50C-407E-A947-70E740481C1C}">
+                <a14:useLocalDpi xmlns:a14="http://schemas.microsoft.com/office/drawing/2010/main" val="0"/>
+              </a:ext>
+            </a:extLst>
+          </a:blip>
+          <a:srcRect/>
+          <a:stretch>
+            <a:fillRect/>
+          </a:stretch>
+        </p:blipFill>
+        <p:spPr bwMode="auto">
+          <a:xfrm>
+            <a:off x="3099569" y="2968830"/>
+            <a:ext cx="5992861" cy="3770416"/>
+          </a:xfrm>
+          <a:prstGeom prst="rect">
+            <a:avLst/>
+          </a:prstGeom>
+          <a:noFill/>
+          <a:extLst>
+            <a:ext uri="{909E8E84-426E-40DD-AFC4-6F175D3DCCD1}">
+              <a14:hiddenFill xmlns:a14="http://schemas.microsoft.com/office/drawing/2010/main">
+                <a:solidFill>
+                  <a:srgbClr val="FFFFFF"/>
+                </a:solidFill>
+              </a14:hiddenFill>
+            </a:ext>
+          </a:extLst>
+        </p:spPr>
+      </p:pic>
     </p:spTree>
     <p:extLst>
       <p:ext uri="{BB962C8B-B14F-4D97-AF65-F5344CB8AC3E}">
-        <p14:creationId xmlns:p14="http://schemas.microsoft.com/office/powerpoint/2010/main" val="2592082144"/>
+        <p14:creationId xmlns:p14="http://schemas.microsoft.com/office/powerpoint/2010/main" val="4122307064"/>
       </p:ext>
     </p:extLst>
   </p:cSld>

--- a/course_resources/slides/Used/006_Basic_Descriptive_Stats.pptx
+++ b/course_resources/slides/Used/006_Basic_Descriptive_Stats.pptx
@@ -5233,13 +5233,21 @@
             </a:r>
           </a:p>
           <a:p>
+            <a:r>
+              <a:rPr lang="en-US" dirty="0"/>
+              <a:t>Note: each of these stats looks at one variable at a time, we haven’t looked at all at the relationships between them. </a:t>
+            </a:r>
+          </a:p>
+          <a:p>
+            <a:r>
+              <a:rPr lang="en-US" dirty="0"/>
+              <a:t>You’ll need to know mean, median, range, std and be </a:t>
+            </a:r>
+            <a:r>
+              <a:rPr lang="en-US"/>
+              <a:t>comfortable with them. </a:t>
+            </a:r>
             <a:endParaRPr lang="en-US" dirty="0"/>
-          </a:p>
-          <a:p>
-            <a:r>
-              <a:rPr lang="en-US" dirty="0"/>
-              <a:t>Note: each of these stats looks at one variable at a time, we haven’t looked at all at the relationships between them. </a:t>
-            </a:r>
           </a:p>
         </p:txBody>
       </p:sp>
@@ -5764,13 +5772,8 @@
             <a:pPr lvl="1"/>
             <a:r>
               <a:rPr lang="en-US" dirty="0"/>
-              <a:t>For now – outliers, errors, data type </a:t>
-            </a:r>
-            <a:r>
-              <a:rPr lang="en-US"/>
-              <a:t>mistakes primarily. </a:t>
-            </a:r>
-            <a:endParaRPr lang="en-US" dirty="0"/>
+              <a:t>For now – outliers, errors, data type mistakes primarily. </a:t>
+            </a:r>
           </a:p>
           <a:p>
             <a:r>

--- a/course_resources/slides/Used/006_Basic_Descriptive_Stats.pptx
+++ b/course_resources/slides/Used/006_Basic_Descriptive_Stats.pptx
@@ -3727,7 +3727,7 @@
           <a:p>
             <a:r>
               <a:rPr lang="en-US" dirty="0"/>
-              <a:t>Today (Start at :05)</a:t>
+              <a:t>Today</a:t>
             </a:r>
           </a:p>
         </p:txBody>
@@ -5241,13 +5241,8 @@
           <a:p>
             <a:r>
               <a:rPr lang="en-US" dirty="0"/>
-              <a:t>You’ll need to know mean, median, range, std and be </a:t>
-            </a:r>
-            <a:r>
-              <a:rPr lang="en-US"/>
-              <a:t>comfortable with them. </a:t>
-            </a:r>
-            <a:endParaRPr lang="en-US" dirty="0"/>
+              <a:t>You’ll need to know mean, median, range, std and be comfortable with them. </a:t>
+            </a:r>
           </a:p>
         </p:txBody>
       </p:sp>
